--- a/lecture-slides/2019-08-28.pptx
+++ b/lecture-slides/2019-08-28.pptx
@@ -5,18 +5,23 @@
     <p:sldMasterId id="2147483648" r:id="rId1"/>
   </p:sldMasterIdLst>
   <p:notesMasterIdLst>
-    <p:notesMasterId r:id="rId11"/>
+    <p:notesMasterId r:id="rId16"/>
   </p:notesMasterIdLst>
   <p:sldIdLst>
     <p:sldId id="305" r:id="rId2"/>
-    <p:sldId id="272" r:id="rId3"/>
+    <p:sldId id="509" r:id="rId3"/>
     <p:sldId id="504" r:id="rId4"/>
-    <p:sldId id="264" r:id="rId5"/>
-    <p:sldId id="506" r:id="rId6"/>
-    <p:sldId id="318" r:id="rId7"/>
-    <p:sldId id="313" r:id="rId8"/>
-    <p:sldId id="315" r:id="rId9"/>
-    <p:sldId id="271" r:id="rId10"/>
+    <p:sldId id="564" r:id="rId5"/>
+    <p:sldId id="522" r:id="rId6"/>
+    <p:sldId id="419" r:id="rId7"/>
+    <p:sldId id="264" r:id="rId8"/>
+    <p:sldId id="507" r:id="rId9"/>
+    <p:sldId id="508" r:id="rId10"/>
+    <p:sldId id="318" r:id="rId11"/>
+    <p:sldId id="562" r:id="rId12"/>
+    <p:sldId id="565" r:id="rId13"/>
+    <p:sldId id="315" r:id="rId14"/>
+    <p:sldId id="271" r:id="rId15"/>
   </p:sldIdLst>
   <p:sldSz cx="12192000" cy="6858000"/>
   <p:notesSz cx="6858000" cy="9144000"/>
@@ -205,7 +210,7 @@
           <a:p>
             <a:fld id="{A677DEB0-5AA4-49C7-B0AD-AD047A002C4C}" type="datetimeFigureOut">
               <a:rPr lang="en-US" smtClean="0"/>
-              <a:t>8/26/2019</a:t>
+              <a:t>8/28/19</a:t>
             </a:fld>
             <a:endParaRPr lang="en-US"/>
           </a:p>
@@ -556,6 +561,202 @@
 </p:notes>
 </file>
 
+<file path=ppt/notesSlides/notesSlide10.xml><?xml version="1.0" encoding="utf-8"?>
+<p:notes xmlns:a="http://schemas.openxmlformats.org/drawingml/2006/main" xmlns:r="http://schemas.openxmlformats.org/officeDocument/2006/relationships" xmlns:p="http://schemas.openxmlformats.org/presentationml/2006/main">
+  <p:cSld>
+    <p:spTree>
+      <p:nvGrpSpPr>
+        <p:cNvPr id="1" name=""/>
+        <p:cNvGrpSpPr/>
+        <p:nvPr/>
+      </p:nvGrpSpPr>
+      <p:grpSpPr>
+        <a:xfrm>
+          <a:off x="0" y="0"/>
+          <a:ext cx="0" cy="0"/>
+          <a:chOff x="0" y="0"/>
+          <a:chExt cx="0" cy="0"/>
+        </a:xfrm>
+      </p:grpSpPr>
+      <p:sp>
+        <p:nvSpPr>
+          <p:cNvPr id="2" name="Slide Image Placeholder 1"/>
+          <p:cNvSpPr>
+            <a:spLocks noGrp="1" noRot="1" noChangeAspect="1"/>
+          </p:cNvSpPr>
+          <p:nvPr>
+            <p:ph type="sldImg"/>
+          </p:nvPr>
+        </p:nvSpPr>
+        <p:spPr/>
+      </p:sp>
+      <p:sp>
+        <p:nvSpPr>
+          <p:cNvPr id="3" name="Notes Placeholder 2"/>
+          <p:cNvSpPr>
+            <a:spLocks noGrp="1"/>
+          </p:cNvSpPr>
+          <p:nvPr>
+            <p:ph type="body" idx="1"/>
+          </p:nvPr>
+        </p:nvSpPr>
+        <p:spPr/>
+        <p:txBody>
+          <a:bodyPr/>
+          <a:lstStyle/>
+          <a:p>
+            <a:r>
+              <a:rPr lang="en-US" sz="1000" dirty="0"/>
+              <a:t>Optimism, good natured humor, and effectively working together is immensely important to delivering good software… and likely equally important to delivering just about any quality product</a:t>
+            </a:r>
+          </a:p>
+          <a:p>
+            <a:endParaRPr lang="en-US" sz="1000" dirty="0"/>
+          </a:p>
+          <a:p>
+            <a:r>
+              <a:rPr lang="en-US" sz="1000" dirty="0"/>
+              <a:t>Even if you don’t intend to be a professional software developer, many of the things that we learn will be valuable in related areas. </a:t>
+            </a:r>
+          </a:p>
+          <a:p>
+            <a:endParaRPr lang="en-US" sz="1000" dirty="0"/>
+          </a:p>
+          <a:p>
+            <a:r>
+              <a:rPr lang="en-US" sz="1000" dirty="0" err="1"/>
+              <a:t>Soooo</a:t>
+            </a:r>
+            <a:r>
+              <a:rPr lang="en-US" sz="1000" dirty="0"/>
+              <a:t>… We have 16 weeks to learn something valuable and interesting. Let’s enjoy our time together and make the most out of it. </a:t>
+            </a:r>
+          </a:p>
+          <a:p>
+            <a:endParaRPr lang="en-US" sz="1000" dirty="0"/>
+          </a:p>
+        </p:txBody>
+      </p:sp>
+      <p:sp>
+        <p:nvSpPr>
+          <p:cNvPr id="4" name="Slide Number Placeholder 3"/>
+          <p:cNvSpPr>
+            <a:spLocks noGrp="1"/>
+          </p:cNvSpPr>
+          <p:nvPr>
+            <p:ph type="sldNum" sz="quarter" idx="10"/>
+          </p:nvPr>
+        </p:nvSpPr>
+        <p:spPr/>
+        <p:txBody>
+          <a:bodyPr/>
+          <a:lstStyle/>
+          <a:p>
+            <a:fld id="{5394DE12-7B9B-46AA-AC19-C30A49928B9B}" type="slidenum">
+              <a:rPr lang="en-US" smtClean="0"/>
+              <a:t>13</a:t>
+            </a:fld>
+            <a:endParaRPr lang="en-US" dirty="0"/>
+          </a:p>
+        </p:txBody>
+      </p:sp>
+    </p:spTree>
+    <p:extLst>
+      <p:ext uri="{BB962C8B-B14F-4D97-AF65-F5344CB8AC3E}">
+        <p14:creationId xmlns:p14="http://schemas.microsoft.com/office/powerpoint/2010/main" val="2420980982"/>
+      </p:ext>
+    </p:extLst>
+  </p:cSld>
+  <p:clrMapOvr>
+    <a:masterClrMapping/>
+  </p:clrMapOvr>
+</p:notes>
+</file>
+
+<file path=ppt/notesSlides/notesSlide11.xml><?xml version="1.0" encoding="utf-8"?>
+<p:notes xmlns:a="http://schemas.openxmlformats.org/drawingml/2006/main" xmlns:r="http://schemas.openxmlformats.org/officeDocument/2006/relationships" xmlns:p="http://schemas.openxmlformats.org/presentationml/2006/main">
+  <p:cSld>
+    <p:spTree>
+      <p:nvGrpSpPr>
+        <p:cNvPr id="1" name=""/>
+        <p:cNvGrpSpPr/>
+        <p:nvPr/>
+      </p:nvGrpSpPr>
+      <p:grpSpPr>
+        <a:xfrm>
+          <a:off x="0" y="0"/>
+          <a:ext cx="0" cy="0"/>
+          <a:chOff x="0" y="0"/>
+          <a:chExt cx="0" cy="0"/>
+        </a:xfrm>
+      </p:grpSpPr>
+      <p:sp>
+        <p:nvSpPr>
+          <p:cNvPr id="2" name="Slide Image Placeholder 1"/>
+          <p:cNvSpPr>
+            <a:spLocks noGrp="1" noRot="1" noChangeAspect="1"/>
+          </p:cNvSpPr>
+          <p:nvPr>
+            <p:ph type="sldImg"/>
+          </p:nvPr>
+        </p:nvSpPr>
+        <p:spPr/>
+      </p:sp>
+      <p:sp>
+        <p:nvSpPr>
+          <p:cNvPr id="3" name="Notes Placeholder 2"/>
+          <p:cNvSpPr>
+            <a:spLocks noGrp="1"/>
+          </p:cNvSpPr>
+          <p:nvPr>
+            <p:ph type="body" idx="1"/>
+          </p:nvPr>
+        </p:nvSpPr>
+        <p:spPr/>
+        <p:txBody>
+          <a:bodyPr/>
+          <a:lstStyle/>
+          <a:p>
+            <a:endParaRPr lang="en-US" dirty="0"/>
+          </a:p>
+        </p:txBody>
+      </p:sp>
+      <p:sp>
+        <p:nvSpPr>
+          <p:cNvPr id="4" name="Slide Number Placeholder 3"/>
+          <p:cNvSpPr>
+            <a:spLocks noGrp="1"/>
+          </p:cNvSpPr>
+          <p:nvPr>
+            <p:ph type="sldNum" sz="quarter" idx="10"/>
+          </p:nvPr>
+        </p:nvSpPr>
+        <p:spPr/>
+        <p:txBody>
+          <a:bodyPr/>
+          <a:lstStyle/>
+          <a:p>
+            <a:fld id="{5394DE12-7B9B-46AA-AC19-C30A49928B9B}" type="slidenum">
+              <a:rPr lang="en-US" smtClean="0"/>
+              <a:t>14</a:t>
+            </a:fld>
+            <a:endParaRPr lang="en-US" dirty="0"/>
+          </a:p>
+        </p:txBody>
+      </p:sp>
+    </p:spTree>
+    <p:extLst>
+      <p:ext uri="{BB962C8B-B14F-4D97-AF65-F5344CB8AC3E}">
+        <p14:creationId xmlns:p14="http://schemas.microsoft.com/office/powerpoint/2010/main" val="3355459141"/>
+      </p:ext>
+    </p:extLst>
+  </p:cSld>
+  <p:clrMapOvr>
+    <a:masterClrMapping/>
+  </p:clrMapOvr>
+</p:notes>
+</file>
+
 <file path=ppt/notesSlides/notesSlide2.xml><?xml version="1.0" encoding="utf-8"?>
 <p:notes xmlns:a="http://schemas.openxmlformats.org/drawingml/2006/main" xmlns:r="http://schemas.openxmlformats.org/officeDocument/2006/relationships" xmlns:p="http://schemas.openxmlformats.org/presentationml/2006/main">
   <p:cSld>
@@ -600,6 +801,108 @@
           <a:bodyPr/>
           <a:lstStyle/>
           <a:p>
+            <a:r>
+              <a:rPr lang="en-US" sz="1200" dirty="0"/>
+              <a:t>This was kind of “hippy-</a:t>
+            </a:r>
+            <a:r>
+              <a:rPr lang="en-US" sz="1200" dirty="0" err="1"/>
+              <a:t>ish</a:t>
+            </a:r>
+            <a:r>
+              <a:rPr lang="en-US" sz="1200" dirty="0"/>
+              <a:t>” and egalitarian in its day… quite controversial in its day</a:t>
+            </a:r>
+          </a:p>
+          <a:p>
+            <a:r>
+              <a:rPr lang="en-US" sz="1200" dirty="0"/>
+              <a:t>“Everyone is a team member and is responsible for the work getting done”… we don’t need no titles or positions… self-organizing… we will make our own commitments… transparency (let’s share the information)… flexible/organic teams, organic architecture (minimal documentation/standards)… no contracts (let’s talk it over)</a:t>
+            </a:r>
+          </a:p>
+          <a:p>
+            <a:endParaRPr lang="en-US" sz="1200" dirty="0"/>
+          </a:p>
+          <a:p>
+            <a:r>
+              <a:rPr lang="en-US" sz="1200" dirty="0"/>
+              <a:t>The flip side:</a:t>
+            </a:r>
+          </a:p>
+          <a:p>
+            <a:pPr marL="171450" indent="-171450">
+              <a:buFont typeface="Arial" panose="020B0604020202020204" pitchFamily="34" charset="0"/>
+              <a:buChar char="•"/>
+            </a:pPr>
+            <a:r>
+              <a:rPr lang="en-US" sz="1200" dirty="0"/>
+              <a:t>We will actively and voluntarily play important roles on our team</a:t>
+            </a:r>
+          </a:p>
+          <a:p>
+            <a:pPr marL="171450" indent="-171450">
+              <a:buFont typeface="Arial" panose="020B0604020202020204" pitchFamily="34" charset="0"/>
+              <a:buChar char="•"/>
+            </a:pPr>
+            <a:r>
+              <a:rPr lang="en-US" sz="1200" dirty="0"/>
+              <a:t>The rules (rituals) that we do have… we WILL follow</a:t>
+            </a:r>
+          </a:p>
+          <a:p>
+            <a:pPr marL="171450" indent="-171450">
+              <a:buFont typeface="Arial" panose="020B0604020202020204" pitchFamily="34" charset="0"/>
+              <a:buChar char="•"/>
+            </a:pPr>
+            <a:r>
+              <a:rPr lang="en-US" sz="1200" dirty="0"/>
+              <a:t>We will create, demo, and release working software/products</a:t>
+            </a:r>
+          </a:p>
+          <a:p>
+            <a:pPr marL="171450" indent="-171450">
+              <a:buFont typeface="Arial" panose="020B0604020202020204" pitchFamily="34" charset="0"/>
+              <a:buChar char="•"/>
+            </a:pPr>
+            <a:r>
+              <a:rPr lang="en-US" sz="1200" dirty="0"/>
+              <a:t>We will utilize practical processes, tools, documentation, and planning</a:t>
+            </a:r>
+          </a:p>
+          <a:p>
+            <a:pPr marL="171450" indent="-171450">
+              <a:buFont typeface="Arial" panose="020B0604020202020204" pitchFamily="34" charset="0"/>
+              <a:buChar char="•"/>
+            </a:pPr>
+            <a:r>
+              <a:rPr lang="en-US" sz="1200" dirty="0"/>
+              <a:t>When we make commitments, we will live up to those commitments… as a team (“No winners on a losing team, and no losers on a winning team”)</a:t>
+            </a:r>
+          </a:p>
+          <a:p>
+            <a:pPr marL="171450" indent="-171450">
+              <a:buFont typeface="Arial" panose="020B0604020202020204" pitchFamily="34" charset="0"/>
+              <a:buChar char="•"/>
+            </a:pPr>
+            <a:r>
+              <a:rPr lang="en-US" sz="1200" dirty="0"/>
+              <a:t>We will be responsive and continuously improve (Retrospectives)</a:t>
+            </a:r>
+          </a:p>
+          <a:p>
+            <a:pPr marL="171450" indent="-171450">
+              <a:buFont typeface="Arial" panose="020B0604020202020204" pitchFamily="34" charset="0"/>
+              <a:buChar char="•"/>
+            </a:pPr>
+            <a:r>
+              <a:rPr lang="en-US" sz="1200" dirty="0"/>
+              <a:t>We will be transparent with how WE work and share our information</a:t>
+            </a:r>
+          </a:p>
+          <a:p>
+            <a:endParaRPr lang="en-US" sz="1200" dirty="0"/>
+          </a:p>
+          <a:p>
             <a:endParaRPr lang="en-US" dirty="0"/>
           </a:p>
         </p:txBody>
@@ -621,7 +924,7 @@
           <a:p>
             <a:fld id="{23B99BB9-C7F6-43B3-A122-46088ABB36FB}" type="slidenum">
               <a:rPr lang="en-US" smtClean="0"/>
-              <a:t>2</a:t>
+              <a:t>3</a:t>
             </a:fld>
             <a:endParaRPr lang="en-US"/>
           </a:p>
@@ -630,7 +933,7 @@
     </p:spTree>
     <p:extLst>
       <p:ext uri="{BB962C8B-B14F-4D97-AF65-F5344CB8AC3E}">
-        <p14:creationId xmlns:p14="http://schemas.microsoft.com/office/powerpoint/2010/main" val="3900269546"/>
+        <p14:creationId xmlns:p14="http://schemas.microsoft.com/office/powerpoint/2010/main" val="61089238"/>
       </p:ext>
     </p:extLst>
   </p:cSld>
@@ -684,139 +987,37 @@
           <a:bodyPr/>
           <a:lstStyle/>
           <a:p>
-            <a:r>
-              <a:rPr lang="en-US" sz="1200" dirty="0"/>
-              <a:t>This was kind of “hippy-</a:t>
-            </a:r>
-            <a:r>
-              <a:rPr lang="en-US" sz="1200" dirty="0" err="1"/>
-              <a:t>ish</a:t>
-            </a:r>
-            <a:r>
-              <a:rPr lang="en-US" sz="1200" dirty="0"/>
-              <a:t>” and egalitarian in its day… quite controversial in its day</a:t>
-            </a:r>
-          </a:p>
-          <a:p>
-            <a:r>
-              <a:rPr lang="en-US" sz="1200" dirty="0"/>
-              <a:t>“Everyone is a team member and is responsible for the work getting done”… we don’t need no titles or positions… self-organizing… we will make our own commitments… transparency (let’s share the information)… flexible/organic teams, organic architecture (minimal documentation/standards)… no contracts (let’s talk it over)</a:t>
-            </a:r>
-          </a:p>
-          <a:p>
-            <a:endParaRPr lang="en-US" sz="1200" dirty="0"/>
-          </a:p>
-          <a:p>
-            <a:r>
-              <a:rPr lang="en-US" sz="1200" dirty="0"/>
-              <a:t>The flip side:</a:t>
-            </a:r>
-          </a:p>
-          <a:p>
-            <a:pPr marL="171450" indent="-171450">
-              <a:buFont typeface="Arial" panose="020B0604020202020204" pitchFamily="34" charset="0"/>
-              <a:buChar char="•"/>
-            </a:pPr>
-            <a:r>
-              <a:rPr lang="en-US" sz="1200" dirty="0"/>
-              <a:t>We will actively and voluntarily play important roles on our team</a:t>
-            </a:r>
-          </a:p>
-          <a:p>
-            <a:pPr marL="171450" indent="-171450">
-              <a:buFont typeface="Arial" panose="020B0604020202020204" pitchFamily="34" charset="0"/>
-              <a:buChar char="•"/>
-            </a:pPr>
-            <a:r>
-              <a:rPr lang="en-US" sz="1200" dirty="0"/>
-              <a:t>The rules (rituals) that we do have… we WILL follow</a:t>
-            </a:r>
-          </a:p>
-          <a:p>
-            <a:pPr marL="171450" indent="-171450">
-              <a:buFont typeface="Arial" panose="020B0604020202020204" pitchFamily="34" charset="0"/>
-              <a:buChar char="•"/>
-            </a:pPr>
-            <a:r>
-              <a:rPr lang="en-US" sz="1200" dirty="0"/>
-              <a:t>We will create, demo, and release working software/products</a:t>
-            </a:r>
-          </a:p>
-          <a:p>
-            <a:pPr marL="171450" indent="-171450">
-              <a:buFont typeface="Arial" panose="020B0604020202020204" pitchFamily="34" charset="0"/>
-              <a:buChar char="•"/>
-            </a:pPr>
-            <a:r>
-              <a:rPr lang="en-US" sz="1200" dirty="0"/>
-              <a:t>We will utilize practical processes, tools, documentation, and planning</a:t>
-            </a:r>
-          </a:p>
-          <a:p>
-            <a:pPr marL="171450" indent="-171450">
-              <a:buFont typeface="Arial" panose="020B0604020202020204" pitchFamily="34" charset="0"/>
-              <a:buChar char="•"/>
-            </a:pPr>
-            <a:r>
-              <a:rPr lang="en-US" sz="1200" dirty="0"/>
-              <a:t>When we make commitments, we will live up to those commitments… as a team (“No winners on a losing team, and no losers on a winning team”)</a:t>
-            </a:r>
-          </a:p>
-          <a:p>
-            <a:pPr marL="171450" indent="-171450">
-              <a:buFont typeface="Arial" panose="020B0604020202020204" pitchFamily="34" charset="0"/>
-              <a:buChar char="•"/>
-            </a:pPr>
-            <a:r>
-              <a:rPr lang="en-US" sz="1200" dirty="0"/>
-              <a:t>We will be responsive and continuously improve (Retrospectives)</a:t>
-            </a:r>
-          </a:p>
-          <a:p>
-            <a:pPr marL="171450" indent="-171450">
-              <a:buFont typeface="Arial" panose="020B0604020202020204" pitchFamily="34" charset="0"/>
-              <a:buChar char="•"/>
-            </a:pPr>
-            <a:r>
-              <a:rPr lang="en-US" sz="1200" dirty="0"/>
-              <a:t>We will be transparent with how WE work and share our information</a:t>
-            </a:r>
-          </a:p>
-          <a:p>
-            <a:endParaRPr lang="en-US" sz="1200" dirty="0"/>
-          </a:p>
-          <a:p>
+            <a:endParaRPr lang="en-US" sz="1000" dirty="0"/>
+          </a:p>
+        </p:txBody>
+      </p:sp>
+      <p:sp>
+        <p:nvSpPr>
+          <p:cNvPr id="4" name="Slide Number Placeholder 3"/>
+          <p:cNvSpPr>
+            <a:spLocks noGrp="1"/>
+          </p:cNvSpPr>
+          <p:nvPr>
+            <p:ph type="sldNum" sz="quarter" idx="10"/>
+          </p:nvPr>
+        </p:nvSpPr>
+        <p:spPr/>
+        <p:txBody>
+          <a:bodyPr/>
+          <a:lstStyle/>
+          <a:p>
+            <a:fld id="{5394DE12-7B9B-46AA-AC19-C30A49928B9B}" type="slidenum">
+              <a:rPr lang="en-US" smtClean="0"/>
+              <a:t>4</a:t>
+            </a:fld>
             <a:endParaRPr lang="en-US" dirty="0"/>
-          </a:p>
-        </p:txBody>
-      </p:sp>
-      <p:sp>
-        <p:nvSpPr>
-          <p:cNvPr id="4" name="Slide Number Placeholder 3"/>
-          <p:cNvSpPr>
-            <a:spLocks noGrp="1"/>
-          </p:cNvSpPr>
-          <p:nvPr>
-            <p:ph type="sldNum" sz="quarter" idx="10"/>
-          </p:nvPr>
-        </p:nvSpPr>
-        <p:spPr/>
-        <p:txBody>
-          <a:bodyPr/>
-          <a:lstStyle/>
-          <a:p>
-            <a:fld id="{23B99BB9-C7F6-43B3-A122-46088ABB36FB}" type="slidenum">
-              <a:rPr lang="en-US" smtClean="0"/>
-              <a:t>3</a:t>
-            </a:fld>
-            <a:endParaRPr lang="en-US"/>
           </a:p>
         </p:txBody>
       </p:sp>
     </p:spTree>
     <p:extLst>
       <p:ext uri="{BB962C8B-B14F-4D97-AF65-F5344CB8AC3E}">
-        <p14:creationId xmlns:p14="http://schemas.microsoft.com/office/powerpoint/2010/main" val="61089238"/>
+        <p14:creationId xmlns:p14="http://schemas.microsoft.com/office/powerpoint/2010/main" val="1116106591"/>
       </p:ext>
     </p:extLst>
   </p:cSld>
@@ -870,7 +1071,7 @@
           <a:bodyPr/>
           <a:lstStyle/>
           <a:p>
-            <a:endParaRPr lang="en-US" sz="1000" dirty="0"/>
+            <a:endParaRPr lang="en-US" dirty="0"/>
           </a:p>
         </p:txBody>
       </p:sp>
@@ -881,26 +1082,26 @@
             <a:spLocks noGrp="1"/>
           </p:cNvSpPr>
           <p:nvPr>
-            <p:ph type="sldNum" sz="quarter" idx="10"/>
-          </p:nvPr>
-        </p:nvSpPr>
-        <p:spPr/>
-        <p:txBody>
-          <a:bodyPr/>
-          <a:lstStyle/>
-          <a:p>
-            <a:fld id="{5394DE12-7B9B-46AA-AC19-C30A49928B9B}" type="slidenum">
+            <p:ph type="sldNum" sz="quarter" idx="5"/>
+          </p:nvPr>
+        </p:nvSpPr>
+        <p:spPr/>
+        <p:txBody>
+          <a:bodyPr/>
+          <a:lstStyle/>
+          <a:p>
+            <a:fld id="{35A4D32B-0177-4B34-AE20-6C72705619FE}" type="slidenum">
               <a:rPr lang="en-US" smtClean="0"/>
-              <a:t>4</a:t>
+              <a:t>5</a:t>
             </a:fld>
-            <a:endParaRPr lang="en-US" dirty="0"/>
+            <a:endParaRPr lang="en-US"/>
           </a:p>
         </p:txBody>
       </p:sp>
     </p:spTree>
     <p:extLst>
       <p:ext uri="{BB962C8B-B14F-4D97-AF65-F5344CB8AC3E}">
-        <p14:creationId xmlns:p14="http://schemas.microsoft.com/office/powerpoint/2010/main" val="803635471"/>
+        <p14:creationId xmlns:p14="http://schemas.microsoft.com/office/powerpoint/2010/main" val="2672379422"/>
       </p:ext>
     </p:extLst>
   </p:cSld>
@@ -975,7 +1176,7 @@
           <a:p>
             <a:fld id="{5394DE12-7B9B-46AA-AC19-C30A49928B9B}" type="slidenum">
               <a:rPr lang="en-US" smtClean="0"/>
-              <a:t>5</a:t>
+              <a:t>7</a:t>
             </a:fld>
             <a:endParaRPr lang="en-US" dirty="0"/>
           </a:p>
@@ -984,7 +1185,7 @@
     </p:spTree>
     <p:extLst>
       <p:ext uri="{BB962C8B-B14F-4D97-AF65-F5344CB8AC3E}">
-        <p14:creationId xmlns:p14="http://schemas.microsoft.com/office/powerpoint/2010/main" val="3922842024"/>
+        <p14:creationId xmlns:p14="http://schemas.microsoft.com/office/powerpoint/2010/main" val="803635471"/>
       </p:ext>
     </p:extLst>
   </p:cSld>
@@ -1059,7 +1260,7 @@
           <a:p>
             <a:fld id="{5394DE12-7B9B-46AA-AC19-C30A49928B9B}" type="slidenum">
               <a:rPr lang="en-US" smtClean="0"/>
-              <a:t>7</a:t>
+              <a:t>8</a:t>
             </a:fld>
             <a:endParaRPr lang="en-US" dirty="0"/>
           </a:p>
@@ -1068,7 +1269,7 @@
     </p:spTree>
     <p:extLst>
       <p:ext uri="{BB962C8B-B14F-4D97-AF65-F5344CB8AC3E}">
-        <p14:creationId xmlns:p14="http://schemas.microsoft.com/office/powerpoint/2010/main" val="14327604"/>
+        <p14:creationId xmlns:p14="http://schemas.microsoft.com/office/powerpoint/2010/main" val="3973339908"/>
       </p:ext>
     </p:extLst>
   </p:cSld>
@@ -1122,34 +1323,6 @@
           <a:bodyPr/>
           <a:lstStyle/>
           <a:p>
-            <a:r>
-              <a:rPr lang="en-US" sz="1000" dirty="0"/>
-              <a:t>Optimism, good natured humor, and effectively working together is immensely important to delivering good software… and likely equally important to delivering just about any quality product</a:t>
-            </a:r>
-          </a:p>
-          <a:p>
-            <a:endParaRPr lang="en-US" sz="1000" dirty="0"/>
-          </a:p>
-          <a:p>
-            <a:r>
-              <a:rPr lang="en-US" sz="1000" dirty="0"/>
-              <a:t>Even if you don’t intend to be a professional software developer, many of the things that we learn will be valuable in related areas. </a:t>
-            </a:r>
-          </a:p>
-          <a:p>
-            <a:endParaRPr lang="en-US" sz="1000" dirty="0"/>
-          </a:p>
-          <a:p>
-            <a:r>
-              <a:rPr lang="en-US" sz="1000" dirty="0" err="1"/>
-              <a:t>Soooo</a:t>
-            </a:r>
-            <a:r>
-              <a:rPr lang="en-US" sz="1000" dirty="0"/>
-              <a:t>… We have 16 weeks to learn something valuable and interesting. Let’s enjoy our time together and make the most out of it. </a:t>
-            </a:r>
-          </a:p>
-          <a:p>
             <a:endParaRPr lang="en-US" sz="1000" dirty="0"/>
           </a:p>
         </p:txBody>
@@ -1171,7 +1344,7 @@
           <a:p>
             <a:fld id="{5394DE12-7B9B-46AA-AC19-C30A49928B9B}" type="slidenum">
               <a:rPr lang="en-US" smtClean="0"/>
-              <a:t>8</a:t>
+              <a:t>9</a:t>
             </a:fld>
             <a:endParaRPr lang="en-US" dirty="0"/>
           </a:p>
@@ -1180,7 +1353,7 @@
     </p:spTree>
     <p:extLst>
       <p:ext uri="{BB962C8B-B14F-4D97-AF65-F5344CB8AC3E}">
-        <p14:creationId xmlns:p14="http://schemas.microsoft.com/office/powerpoint/2010/main" val="2420980982"/>
+        <p14:creationId xmlns:p14="http://schemas.microsoft.com/office/powerpoint/2010/main" val="4126639400"/>
       </p:ext>
     </p:extLst>
   </p:cSld>
@@ -1234,7 +1407,7 @@
           <a:bodyPr/>
           <a:lstStyle/>
           <a:p>
-            <a:endParaRPr lang="en-US" dirty="0"/>
+            <a:endParaRPr lang="en-US" sz="1000" dirty="0"/>
           </a:p>
         </p:txBody>
       </p:sp>
@@ -1255,7 +1428,7 @@
           <a:p>
             <a:fld id="{5394DE12-7B9B-46AA-AC19-C30A49928B9B}" type="slidenum">
               <a:rPr lang="en-US" smtClean="0"/>
-              <a:t>9</a:t>
+              <a:t>11</a:t>
             </a:fld>
             <a:endParaRPr lang="en-US" dirty="0"/>
           </a:p>
@@ -1264,7 +1437,91 @@
     </p:spTree>
     <p:extLst>
       <p:ext uri="{BB962C8B-B14F-4D97-AF65-F5344CB8AC3E}">
-        <p14:creationId xmlns:p14="http://schemas.microsoft.com/office/powerpoint/2010/main" val="3355459141"/>
+        <p14:creationId xmlns:p14="http://schemas.microsoft.com/office/powerpoint/2010/main" val="2753592174"/>
+      </p:ext>
+    </p:extLst>
+  </p:cSld>
+  <p:clrMapOvr>
+    <a:masterClrMapping/>
+  </p:clrMapOvr>
+</p:notes>
+</file>
+
+<file path=ppt/notesSlides/notesSlide9.xml><?xml version="1.0" encoding="utf-8"?>
+<p:notes xmlns:a="http://schemas.openxmlformats.org/drawingml/2006/main" xmlns:r="http://schemas.openxmlformats.org/officeDocument/2006/relationships" xmlns:p="http://schemas.openxmlformats.org/presentationml/2006/main">
+  <p:cSld>
+    <p:spTree>
+      <p:nvGrpSpPr>
+        <p:cNvPr id="1" name=""/>
+        <p:cNvGrpSpPr/>
+        <p:nvPr/>
+      </p:nvGrpSpPr>
+      <p:grpSpPr>
+        <a:xfrm>
+          <a:off x="0" y="0"/>
+          <a:ext cx="0" cy="0"/>
+          <a:chOff x="0" y="0"/>
+          <a:chExt cx="0" cy="0"/>
+        </a:xfrm>
+      </p:grpSpPr>
+      <p:sp>
+        <p:nvSpPr>
+          <p:cNvPr id="2" name="Slide Image Placeholder 1"/>
+          <p:cNvSpPr>
+            <a:spLocks noGrp="1" noRot="1" noChangeAspect="1"/>
+          </p:cNvSpPr>
+          <p:nvPr>
+            <p:ph type="sldImg"/>
+          </p:nvPr>
+        </p:nvSpPr>
+        <p:spPr/>
+      </p:sp>
+      <p:sp>
+        <p:nvSpPr>
+          <p:cNvPr id="3" name="Notes Placeholder 2"/>
+          <p:cNvSpPr>
+            <a:spLocks noGrp="1"/>
+          </p:cNvSpPr>
+          <p:nvPr>
+            <p:ph type="body" idx="1"/>
+          </p:nvPr>
+        </p:nvSpPr>
+        <p:spPr/>
+        <p:txBody>
+          <a:bodyPr/>
+          <a:lstStyle/>
+          <a:p>
+            <a:endParaRPr lang="en-US" sz="1000" dirty="0"/>
+          </a:p>
+        </p:txBody>
+      </p:sp>
+      <p:sp>
+        <p:nvSpPr>
+          <p:cNvPr id="4" name="Slide Number Placeholder 3"/>
+          <p:cNvSpPr>
+            <a:spLocks noGrp="1"/>
+          </p:cNvSpPr>
+          <p:nvPr>
+            <p:ph type="sldNum" sz="quarter" idx="10"/>
+          </p:nvPr>
+        </p:nvSpPr>
+        <p:spPr/>
+        <p:txBody>
+          <a:bodyPr/>
+          <a:lstStyle/>
+          <a:p>
+            <a:fld id="{5394DE12-7B9B-46AA-AC19-C30A49928B9B}" type="slidenum">
+              <a:rPr lang="en-US" smtClean="0"/>
+              <a:t>12</a:t>
+            </a:fld>
+            <a:endParaRPr lang="en-US" dirty="0"/>
+          </a:p>
+        </p:txBody>
+      </p:sp>
+    </p:spTree>
+    <p:extLst>
+      <p:ext uri="{BB962C8B-B14F-4D97-AF65-F5344CB8AC3E}">
+        <p14:creationId xmlns:p14="http://schemas.microsoft.com/office/powerpoint/2010/main" val="3923728908"/>
       </p:ext>
     </p:extLst>
   </p:cSld>
@@ -1421,7 +1678,7 @@
           <a:p>
             <a:fld id="{1B52E0E1-344B-4E26-B5AD-CE86AB802485}" type="datetimeFigureOut">
               <a:rPr lang="en-US" smtClean="0"/>
-              <a:t>8/26/2019</a:t>
+              <a:t>8/28/19</a:t>
             </a:fld>
             <a:endParaRPr lang="en-US"/>
           </a:p>
@@ -1619,7 +1876,7 @@
           <a:p>
             <a:fld id="{1B52E0E1-344B-4E26-B5AD-CE86AB802485}" type="datetimeFigureOut">
               <a:rPr lang="en-US" smtClean="0"/>
-              <a:t>8/26/2019</a:t>
+              <a:t>8/28/19</a:t>
             </a:fld>
             <a:endParaRPr lang="en-US"/>
           </a:p>
@@ -1827,7 +2084,7 @@
           <a:p>
             <a:fld id="{1B52E0E1-344B-4E26-B5AD-CE86AB802485}" type="datetimeFigureOut">
               <a:rPr lang="en-US" smtClean="0"/>
-              <a:t>8/26/2019</a:t>
+              <a:t>8/28/19</a:t>
             </a:fld>
             <a:endParaRPr lang="en-US"/>
           </a:p>
@@ -2025,7 +2282,7 @@
           <a:p>
             <a:fld id="{1B52E0E1-344B-4E26-B5AD-CE86AB802485}" type="datetimeFigureOut">
               <a:rPr lang="en-US" smtClean="0"/>
-              <a:t>8/26/2019</a:t>
+              <a:t>8/28/19</a:t>
             </a:fld>
             <a:endParaRPr lang="en-US"/>
           </a:p>
@@ -2300,7 +2557,7 @@
           <a:p>
             <a:fld id="{1B52E0E1-344B-4E26-B5AD-CE86AB802485}" type="datetimeFigureOut">
               <a:rPr lang="en-US" smtClean="0"/>
-              <a:t>8/26/2019</a:t>
+              <a:t>8/28/19</a:t>
             </a:fld>
             <a:endParaRPr lang="en-US"/>
           </a:p>
@@ -2565,7 +2822,7 @@
           <a:p>
             <a:fld id="{1B52E0E1-344B-4E26-B5AD-CE86AB802485}" type="datetimeFigureOut">
               <a:rPr lang="en-US" smtClean="0"/>
-              <a:t>8/26/2019</a:t>
+              <a:t>8/28/19</a:t>
             </a:fld>
             <a:endParaRPr lang="en-US"/>
           </a:p>
@@ -2977,7 +3234,7 @@
           <a:p>
             <a:fld id="{1B52E0E1-344B-4E26-B5AD-CE86AB802485}" type="datetimeFigureOut">
               <a:rPr lang="en-US" smtClean="0"/>
-              <a:t>8/26/2019</a:t>
+              <a:t>8/28/19</a:t>
             </a:fld>
             <a:endParaRPr lang="en-US"/>
           </a:p>
@@ -3118,7 +3375,7 @@
           <a:p>
             <a:fld id="{1B52E0E1-344B-4E26-B5AD-CE86AB802485}" type="datetimeFigureOut">
               <a:rPr lang="en-US" smtClean="0"/>
-              <a:t>8/26/2019</a:t>
+              <a:t>8/28/19</a:t>
             </a:fld>
             <a:endParaRPr lang="en-US"/>
           </a:p>
@@ -3231,7 +3488,7 @@
           <a:p>
             <a:fld id="{1B52E0E1-344B-4E26-B5AD-CE86AB802485}" type="datetimeFigureOut">
               <a:rPr lang="en-US" smtClean="0"/>
-              <a:t>8/26/2019</a:t>
+              <a:t>8/28/19</a:t>
             </a:fld>
             <a:endParaRPr lang="en-US"/>
           </a:p>
@@ -3542,7 +3799,7 @@
           <a:p>
             <a:fld id="{1B52E0E1-344B-4E26-B5AD-CE86AB802485}" type="datetimeFigureOut">
               <a:rPr lang="en-US" smtClean="0"/>
-              <a:t>8/26/2019</a:t>
+              <a:t>8/28/19</a:t>
             </a:fld>
             <a:endParaRPr lang="en-US"/>
           </a:p>
@@ -3830,7 +4087,7 @@
           <a:p>
             <a:fld id="{1B52E0E1-344B-4E26-B5AD-CE86AB802485}" type="datetimeFigureOut">
               <a:rPr lang="en-US" smtClean="0"/>
-              <a:t>8/26/2019</a:t>
+              <a:t>8/28/19</a:t>
             </a:fld>
             <a:endParaRPr lang="en-US"/>
           </a:p>
@@ -4071,7 +4328,7 @@
           <a:p>
             <a:fld id="{1B52E0E1-344B-4E26-B5AD-CE86AB802485}" type="datetimeFigureOut">
               <a:rPr lang="en-US" smtClean="0"/>
-              <a:t>8/26/2019</a:t>
+              <a:t>8/28/19</a:t>
             </a:fld>
             <a:endParaRPr lang="en-US"/>
           </a:p>
@@ -4588,7 +4845,7 @@
             </a:pPr>
             <a:r>
               <a:rPr lang="en-US" sz="2200" dirty="0"/>
-              <a:t>Welcome!</a:t>
+              <a:t>Review Assignment from Last Class</a:t>
             </a:r>
           </a:p>
           <a:p>
@@ -4608,7 +4865,7 @@
             </a:pPr>
             <a:r>
               <a:rPr lang="en-US" sz="2200" dirty="0"/>
-              <a:t>Discussion: Review Course Syllabus</a:t>
+              <a:t>Q&amp;A: Course Syllabus</a:t>
             </a:r>
           </a:p>
           <a:p>
@@ -4618,13 +4875,8 @@
             </a:pPr>
             <a:r>
               <a:rPr lang="en-US" sz="2200" dirty="0"/>
-              <a:t>Discussion: </a:t>
-            </a:r>
-            <a:r>
-              <a:rPr lang="en-US" sz="2400" dirty="0"/>
-              <a:t>Object-Oriented Programming Concepts and Practices</a:t>
-            </a:r>
-            <a:endParaRPr lang="en-US" sz="2200" dirty="0"/>
+              <a:t>Q&amp;A: Programming Assignment 1</a:t>
+            </a:r>
           </a:p>
           <a:p>
             <a:pPr marL="457200" indent="-457200">
@@ -4633,7 +4885,7 @@
             </a:pPr>
             <a:r>
               <a:rPr lang="en-US" sz="2200" dirty="0"/>
-              <a:t>Discussion: Programming Assignment 1 (Friday)</a:t>
+              <a:t>Q&amp;A: Quiz 1 </a:t>
             </a:r>
           </a:p>
           <a:p>
@@ -4643,7 +4895,7 @@
             </a:pPr>
             <a:r>
               <a:rPr lang="en-US" sz="2200" dirty="0"/>
-              <a:t>Discussion: Quiz 1 (Friday)</a:t>
+              <a:t>Assignment for Next Class</a:t>
             </a:r>
           </a:p>
           <a:p>
@@ -4653,7 +4905,7 @@
             </a:pPr>
             <a:r>
               <a:rPr lang="en-US" sz="2200" dirty="0"/>
-              <a:t>Lab… starting no later than 2:20</a:t>
+              <a:t>Lab</a:t>
             </a:r>
           </a:p>
           <a:p>
@@ -4663,7 +4915,7 @@
             </a:pPr>
             <a:r>
               <a:rPr lang="en-US" sz="2200" dirty="0"/>
-              <a:t>Wrap-up and Final Questions/Comments?</a:t>
+              <a:t>Wrap-up and Final Questions/Comments</a:t>
             </a:r>
           </a:p>
           <a:p>
@@ -4755,6 +5007,635 @@
 </p:sld>
 </file>
 
+<file path=ppt/slides/slide10.xml><?xml version="1.0" encoding="utf-8"?>
+<p:sld xmlns:a="http://schemas.openxmlformats.org/drawingml/2006/main" xmlns:r="http://schemas.openxmlformats.org/officeDocument/2006/relationships" xmlns:p="http://schemas.openxmlformats.org/presentationml/2006/main">
+  <p:cSld>
+    <p:spTree>
+      <p:nvGrpSpPr>
+        <p:cNvPr id="1" name=""/>
+        <p:cNvGrpSpPr/>
+        <p:nvPr/>
+      </p:nvGrpSpPr>
+      <p:grpSpPr>
+        <a:xfrm>
+          <a:off x="0" y="0"/>
+          <a:ext cx="0" cy="0"/>
+          <a:chOff x="0" y="0"/>
+          <a:chExt cx="0" cy="0"/>
+        </a:xfrm>
+      </p:grpSpPr>
+      <p:sp>
+        <p:nvSpPr>
+          <p:cNvPr id="2" name="Title 1">
+            <a:extLst>
+              <a:ext uri="{FF2B5EF4-FFF2-40B4-BE49-F238E27FC236}">
+                <a16:creationId xmlns:a16="http://schemas.microsoft.com/office/drawing/2014/main" id="{2A5755BE-860E-40EB-ADA6-6E82BCB49EC3}"/>
+              </a:ext>
+            </a:extLst>
+          </p:cNvPr>
+          <p:cNvSpPr>
+            <a:spLocks noGrp="1"/>
+          </p:cNvSpPr>
+          <p:nvPr>
+            <p:ph type="title"/>
+          </p:nvPr>
+        </p:nvSpPr>
+        <p:spPr/>
+        <p:txBody>
+          <a:bodyPr/>
+          <a:lstStyle/>
+          <a:p>
+            <a:r>
+              <a:rPr lang="en-US" dirty="0"/>
+              <a:t>Assignment for Next Class</a:t>
+            </a:r>
+          </a:p>
+        </p:txBody>
+      </p:sp>
+      <p:sp>
+        <p:nvSpPr>
+          <p:cNvPr id="3" name="Content Placeholder 2">
+            <a:extLst>
+              <a:ext uri="{FF2B5EF4-FFF2-40B4-BE49-F238E27FC236}">
+                <a16:creationId xmlns:a16="http://schemas.microsoft.com/office/drawing/2014/main" id="{72EF5DE0-5958-4171-A9E3-3D288A31AC3F}"/>
+              </a:ext>
+            </a:extLst>
+          </p:cNvPr>
+          <p:cNvSpPr>
+            <a:spLocks noGrp="1"/>
+          </p:cNvSpPr>
+          <p:nvPr>
+            <p:ph idx="1"/>
+          </p:nvPr>
+        </p:nvSpPr>
+        <p:spPr>
+          <a:xfrm>
+            <a:off x="838200" y="1654444"/>
+            <a:ext cx="10515600" cy="4522519"/>
+          </a:xfrm>
+        </p:spPr>
+        <p:txBody>
+          <a:bodyPr>
+            <a:normAutofit/>
+          </a:bodyPr>
+          <a:lstStyle/>
+          <a:p>
+            <a:pPr marL="0" indent="0">
+              <a:buNone/>
+            </a:pPr>
+            <a:r>
+              <a:rPr lang="en-US" dirty="0"/>
+              <a:t>Complete Activity List items though 10 and be prepared to discuss in our next class</a:t>
+            </a:r>
+            <a:endParaRPr lang="en-US" sz="1800" dirty="0"/>
+          </a:p>
+          <a:p>
+            <a:endParaRPr lang="en-US" dirty="0"/>
+          </a:p>
+        </p:txBody>
+      </p:sp>
+    </p:spTree>
+    <p:extLst>
+      <p:ext uri="{BB962C8B-B14F-4D97-AF65-F5344CB8AC3E}">
+        <p14:creationId xmlns:p14="http://schemas.microsoft.com/office/powerpoint/2010/main" val="3934992363"/>
+      </p:ext>
+    </p:extLst>
+  </p:cSld>
+  <p:clrMapOvr>
+    <a:masterClrMapping/>
+  </p:clrMapOvr>
+</p:sld>
+</file>
+
+<file path=ppt/slides/slide11.xml><?xml version="1.0" encoding="utf-8"?>
+<p:sld xmlns:a="http://schemas.openxmlformats.org/drawingml/2006/main" xmlns:r="http://schemas.openxmlformats.org/officeDocument/2006/relationships" xmlns:p="http://schemas.openxmlformats.org/presentationml/2006/main">
+  <p:cSld>
+    <p:spTree>
+      <p:nvGrpSpPr>
+        <p:cNvPr id="1" name=""/>
+        <p:cNvGrpSpPr/>
+        <p:nvPr/>
+      </p:nvGrpSpPr>
+      <p:grpSpPr>
+        <a:xfrm>
+          <a:off x="0" y="0"/>
+          <a:ext cx="0" cy="0"/>
+          <a:chOff x="0" y="0"/>
+          <a:chExt cx="0" cy="0"/>
+        </a:xfrm>
+      </p:grpSpPr>
+      <p:sp>
+        <p:nvSpPr>
+          <p:cNvPr id="2" name="Title 1"/>
+          <p:cNvSpPr>
+            <a:spLocks noGrp="1"/>
+          </p:cNvSpPr>
+          <p:nvPr>
+            <p:ph type="title"/>
+          </p:nvPr>
+        </p:nvSpPr>
+        <p:spPr>
+          <a:xfrm>
+            <a:off x="838200" y="365126"/>
+            <a:ext cx="10515600" cy="757272"/>
+          </a:xfrm>
+        </p:spPr>
+        <p:txBody>
+          <a:bodyPr>
+            <a:normAutofit/>
+          </a:bodyPr>
+          <a:lstStyle/>
+          <a:p>
+            <a:r>
+              <a:rPr lang="en-US" sz="3600" dirty="0"/>
+              <a:t>Lab</a:t>
+            </a:r>
+            <a:endParaRPr lang="en-US" sz="3600" b="1" i="1" u="sng" dirty="0"/>
+          </a:p>
+        </p:txBody>
+      </p:sp>
+      <p:sp>
+        <p:nvSpPr>
+          <p:cNvPr id="3" name="Content Placeholder 2"/>
+          <p:cNvSpPr>
+            <a:spLocks noGrp="1"/>
+          </p:cNvSpPr>
+          <p:nvPr>
+            <p:ph idx="1"/>
+          </p:nvPr>
+        </p:nvSpPr>
+        <p:spPr>
+          <a:xfrm>
+            <a:off x="838200" y="1122398"/>
+            <a:ext cx="10718950" cy="5463343"/>
+          </a:xfrm>
+        </p:spPr>
+        <p:txBody>
+          <a:bodyPr>
+            <a:normAutofit/>
+          </a:bodyPr>
+          <a:lstStyle/>
+          <a:p>
+            <a:pPr marL="0" indent="0">
+              <a:buNone/>
+            </a:pPr>
+            <a:r>
+              <a:rPr lang="en-US" sz="2000" dirty="0"/>
+              <a:t>Organize into Scrum teams (10 minutes):</a:t>
+            </a:r>
+          </a:p>
+          <a:p>
+            <a:pPr marL="457200" indent="-457200">
+              <a:buFont typeface="+mj-lt"/>
+              <a:buAutoNum type="arabicPeriod"/>
+            </a:pPr>
+            <a:r>
+              <a:rPr lang="en-US" sz="2000" dirty="0"/>
+              <a:t>Split up into “two pizza sized” teams (3-7 people)</a:t>
+            </a:r>
+          </a:p>
+          <a:p>
+            <a:pPr marL="457200" indent="-457200">
+              <a:buFont typeface="+mj-lt"/>
+              <a:buAutoNum type="arabicPeriod"/>
+            </a:pPr>
+            <a:r>
+              <a:rPr lang="en-US" sz="2000" dirty="0"/>
+              <a:t>Make sure that the team has a mix of programming experience levels</a:t>
+            </a:r>
+          </a:p>
+          <a:p>
+            <a:pPr marL="457200" indent="-457200">
+              <a:buFont typeface="+mj-lt"/>
+              <a:buAutoNum type="arabicPeriod"/>
+            </a:pPr>
+            <a:r>
+              <a:rPr lang="en-US" sz="2000" dirty="0"/>
+              <a:t>MacOS users may want to be on the same team</a:t>
+            </a:r>
+          </a:p>
+          <a:p>
+            <a:pPr marL="457200" indent="-457200">
+              <a:buFont typeface="+mj-lt"/>
+              <a:buAutoNum type="arabicPeriod"/>
+            </a:pPr>
+            <a:r>
+              <a:rPr lang="en-US" sz="2000" dirty="0"/>
+              <a:t>Identify a Scrum Master</a:t>
+            </a:r>
+          </a:p>
+          <a:p>
+            <a:pPr marL="457200" indent="-457200">
+              <a:buFont typeface="+mj-lt"/>
+              <a:buAutoNum type="arabicPeriod"/>
+            </a:pPr>
+            <a:r>
+              <a:rPr lang="en-US" sz="2000" dirty="0"/>
+              <a:t>Select a adjective/noun team name (i.e. Brown Bears, Backrow Bobcats, etc.)</a:t>
+            </a:r>
+          </a:p>
+          <a:p>
+            <a:pPr marL="457200" indent="-457200">
+              <a:buFont typeface="+mj-lt"/>
+              <a:buAutoNum type="arabicPeriod"/>
+            </a:pPr>
+            <a:r>
+              <a:rPr lang="en-US" sz="2000" dirty="0"/>
+              <a:t>Co-locate your team</a:t>
+            </a:r>
+          </a:p>
+          <a:p>
+            <a:pPr marL="457200" indent="-457200">
+              <a:buFont typeface="+mj-lt"/>
+              <a:buAutoNum type="arabicPeriod"/>
+            </a:pPr>
+            <a:r>
+              <a:rPr lang="en-US" sz="2000" dirty="0"/>
+              <a:t>Add your team name to your name card</a:t>
+            </a:r>
+          </a:p>
+          <a:p>
+            <a:pPr marL="457200" indent="-457200">
+              <a:buFont typeface="+mj-lt"/>
+              <a:buAutoNum type="arabicPeriod"/>
+            </a:pPr>
+            <a:r>
+              <a:rPr lang="en-US" sz="2000" dirty="0"/>
+              <a:t>Take a team picture (with name cards)</a:t>
+            </a:r>
+          </a:p>
+        </p:txBody>
+      </p:sp>
+    </p:spTree>
+    <p:extLst>
+      <p:ext uri="{BB962C8B-B14F-4D97-AF65-F5344CB8AC3E}">
+        <p14:creationId xmlns:p14="http://schemas.microsoft.com/office/powerpoint/2010/main" val="3264693288"/>
+      </p:ext>
+    </p:extLst>
+  </p:cSld>
+  <p:clrMapOvr>
+    <a:masterClrMapping/>
+  </p:clrMapOvr>
+</p:sld>
+</file>
+
+<file path=ppt/slides/slide12.xml><?xml version="1.0" encoding="utf-8"?>
+<p:sld xmlns:a="http://schemas.openxmlformats.org/drawingml/2006/main" xmlns:r="http://schemas.openxmlformats.org/officeDocument/2006/relationships" xmlns:p="http://schemas.openxmlformats.org/presentationml/2006/main">
+  <p:cSld>
+    <p:spTree>
+      <p:nvGrpSpPr>
+        <p:cNvPr id="1" name=""/>
+        <p:cNvGrpSpPr/>
+        <p:nvPr/>
+      </p:nvGrpSpPr>
+      <p:grpSpPr>
+        <a:xfrm>
+          <a:off x="0" y="0"/>
+          <a:ext cx="0" cy="0"/>
+          <a:chOff x="0" y="0"/>
+          <a:chExt cx="0" cy="0"/>
+        </a:xfrm>
+      </p:grpSpPr>
+      <p:sp>
+        <p:nvSpPr>
+          <p:cNvPr id="2" name="Title 1"/>
+          <p:cNvSpPr>
+            <a:spLocks noGrp="1"/>
+          </p:cNvSpPr>
+          <p:nvPr>
+            <p:ph type="title"/>
+          </p:nvPr>
+        </p:nvSpPr>
+        <p:spPr>
+          <a:xfrm>
+            <a:off x="838200" y="365126"/>
+            <a:ext cx="10515600" cy="757272"/>
+          </a:xfrm>
+        </p:spPr>
+        <p:txBody>
+          <a:bodyPr>
+            <a:normAutofit/>
+          </a:bodyPr>
+          <a:lstStyle/>
+          <a:p>
+            <a:r>
+              <a:rPr lang="en-US" sz="3600" dirty="0"/>
+              <a:t>Lab</a:t>
+            </a:r>
+            <a:endParaRPr lang="en-US" sz="3600" b="1" i="1" u="sng" dirty="0"/>
+          </a:p>
+        </p:txBody>
+      </p:sp>
+      <p:sp>
+        <p:nvSpPr>
+          <p:cNvPr id="3" name="Content Placeholder 2"/>
+          <p:cNvSpPr>
+            <a:spLocks noGrp="1"/>
+          </p:cNvSpPr>
+          <p:nvPr>
+            <p:ph idx="1"/>
+          </p:nvPr>
+        </p:nvSpPr>
+        <p:spPr>
+          <a:xfrm>
+            <a:off x="838200" y="1122398"/>
+            <a:ext cx="10718950" cy="5463343"/>
+          </a:xfrm>
+        </p:spPr>
+        <p:txBody>
+          <a:bodyPr>
+            <a:normAutofit/>
+          </a:bodyPr>
+          <a:lstStyle/>
+          <a:p>
+            <a:pPr marL="0" indent="0">
+              <a:buNone/>
+            </a:pPr>
+            <a:r>
+              <a:rPr lang="en-US" sz="2000" dirty="0"/>
+              <a:t>As A Scrum Team:</a:t>
+            </a:r>
+          </a:p>
+          <a:p>
+            <a:pPr marL="457200" indent="-457200">
+              <a:buFont typeface="+mj-lt"/>
+              <a:buAutoNum type="arabicPeriod"/>
+            </a:pPr>
+            <a:r>
+              <a:rPr lang="en-US" sz="2000" dirty="0"/>
+              <a:t>Discuss the assignment for next class</a:t>
+            </a:r>
+          </a:p>
+          <a:p>
+            <a:pPr marL="457200" indent="-457200">
+              <a:buFont typeface="+mj-lt"/>
+              <a:buAutoNum type="arabicPeriod"/>
+            </a:pPr>
+            <a:r>
+              <a:rPr lang="en-US" sz="2000" dirty="0"/>
+              <a:t>Identify two team members (not the Scrum Master) who will each lead the discussion of a OOP Concept starting at 2:34pm</a:t>
+            </a:r>
+          </a:p>
+          <a:p>
+            <a:pPr marL="457200" indent="-457200">
+              <a:buFont typeface="+mj-lt"/>
+              <a:buAutoNum type="arabicPeriod"/>
+            </a:pPr>
+            <a:r>
+              <a:rPr lang="en-US" sz="2000" dirty="0"/>
+              <a:t>Discuss “Object-Oriented Programming Concepts &amp; Practices”</a:t>
+            </a:r>
+          </a:p>
+          <a:p>
+            <a:pPr marL="457200" indent="-457200">
+              <a:buFont typeface="+mj-lt"/>
+              <a:buAutoNum type="arabicPeriod"/>
+            </a:pPr>
+            <a:r>
+              <a:rPr lang="en-US" sz="2000" dirty="0"/>
+              <a:t>Team report-out by Scrum Master 2:48</a:t>
+            </a:r>
+          </a:p>
+          <a:p>
+            <a:pPr marL="0" indent="0">
+              <a:buNone/>
+            </a:pPr>
+            <a:endParaRPr lang="en-US" sz="2000" dirty="0"/>
+          </a:p>
+          <a:p>
+            <a:pPr marL="0" indent="0">
+              <a:buNone/>
+            </a:pPr>
+            <a:endParaRPr lang="en-US" sz="2000" dirty="0"/>
+          </a:p>
+          <a:p>
+            <a:pPr marL="0" indent="0">
+              <a:buNone/>
+            </a:pPr>
+            <a:r>
+              <a:rPr lang="en-US" sz="2000" u="sng" dirty="0"/>
+              <a:t>Team Report-out Guidelines</a:t>
+            </a:r>
+          </a:p>
+          <a:p>
+            <a:pPr marL="0" indent="0">
+              <a:buNone/>
+            </a:pPr>
+            <a:r>
+              <a:rPr lang="en-US" sz="2000" dirty="0"/>
+              <a:t>Scrum Master stand up, give your name, your team name, and briefly answer the following questions:</a:t>
+            </a:r>
+          </a:p>
+          <a:p>
+            <a:pPr marL="514350" indent="-514350">
+              <a:buFont typeface="+mj-lt"/>
+              <a:buAutoNum type="alphaLcParenR"/>
+            </a:pPr>
+            <a:r>
+              <a:rPr lang="en-US" sz="2000" dirty="0"/>
+              <a:t>What did you accomplish since the last meeting?</a:t>
+            </a:r>
+          </a:p>
+          <a:p>
+            <a:pPr marL="514350" indent="-514350">
+              <a:buFont typeface="+mj-lt"/>
+              <a:buAutoNum type="alphaLcParenR"/>
+            </a:pPr>
+            <a:r>
+              <a:rPr lang="en-US" sz="2000" dirty="0"/>
+              <a:t>What will you working on until the next meeting?</a:t>
+            </a:r>
+          </a:p>
+          <a:p>
+            <a:pPr marL="514350" indent="-514350">
+              <a:buFont typeface="+mj-lt"/>
+              <a:buAutoNum type="alphaLcParenR"/>
+            </a:pPr>
+            <a:r>
+              <a:rPr lang="en-US" sz="2000" dirty="0"/>
+              <a:t>Is the team committed to completing assignments? All/Most/Some</a:t>
+            </a:r>
+          </a:p>
+          <a:p>
+            <a:pPr marL="514350" indent="-514350">
+              <a:buFont typeface="+mj-lt"/>
+              <a:buAutoNum type="alphaLcParenR"/>
+            </a:pPr>
+            <a:r>
+              <a:rPr lang="en-US" sz="2000" dirty="0"/>
+              <a:t>What is getting in your way or keeping you from completing the assignments?</a:t>
+            </a:r>
+          </a:p>
+          <a:p>
+            <a:pPr marL="0" indent="0">
+              <a:buNone/>
+            </a:pPr>
+            <a:endParaRPr lang="en-US" sz="2000" dirty="0"/>
+          </a:p>
+        </p:txBody>
+      </p:sp>
+    </p:spTree>
+    <p:extLst>
+      <p:ext uri="{BB962C8B-B14F-4D97-AF65-F5344CB8AC3E}">
+        <p14:creationId xmlns:p14="http://schemas.microsoft.com/office/powerpoint/2010/main" val="3931569157"/>
+      </p:ext>
+    </p:extLst>
+  </p:cSld>
+  <p:clrMapOvr>
+    <a:masterClrMapping/>
+  </p:clrMapOvr>
+</p:sld>
+</file>
+
+<file path=ppt/slides/slide13.xml><?xml version="1.0" encoding="utf-8"?>
+<p:sld xmlns:a="http://schemas.openxmlformats.org/drawingml/2006/main" xmlns:r="http://schemas.openxmlformats.org/officeDocument/2006/relationships" xmlns:p="http://schemas.openxmlformats.org/presentationml/2006/main">
+  <p:cSld>
+    <p:spTree>
+      <p:nvGrpSpPr>
+        <p:cNvPr id="1" name=""/>
+        <p:cNvGrpSpPr/>
+        <p:nvPr/>
+      </p:nvGrpSpPr>
+      <p:grpSpPr>
+        <a:xfrm>
+          <a:off x="0" y="0"/>
+          <a:ext cx="0" cy="0"/>
+          <a:chOff x="0" y="0"/>
+          <a:chExt cx="0" cy="0"/>
+        </a:xfrm>
+      </p:grpSpPr>
+      <p:sp>
+        <p:nvSpPr>
+          <p:cNvPr id="2" name="Title 1"/>
+          <p:cNvSpPr>
+            <a:spLocks noGrp="1"/>
+          </p:cNvSpPr>
+          <p:nvPr>
+            <p:ph type="ctrTitle"/>
+          </p:nvPr>
+        </p:nvSpPr>
+        <p:spPr>
+          <a:xfrm>
+            <a:off x="654951" y="3025490"/>
+            <a:ext cx="10013049" cy="807019"/>
+          </a:xfrm>
+        </p:spPr>
+        <p:txBody>
+          <a:bodyPr anchor="ctr">
+            <a:noAutofit/>
+          </a:bodyPr>
+          <a:lstStyle/>
+          <a:p>
+            <a:r>
+              <a:rPr lang="en-US" sz="3600" dirty="0"/>
+              <a:t>Wrap-up and </a:t>
+            </a:r>
+            <a:br>
+              <a:rPr lang="en-US" sz="3600" dirty="0"/>
+            </a:br>
+            <a:r>
+              <a:rPr lang="en-US" sz="3600" dirty="0"/>
+              <a:t>Final Questions/Comments</a:t>
+            </a:r>
+            <a:br>
+              <a:rPr lang="en-US" sz="3600" dirty="0"/>
+            </a:br>
+            <a:br>
+              <a:rPr lang="en-US" sz="3600" dirty="0"/>
+            </a:br>
+            <a:r>
+              <a:rPr lang="en-US" sz="3600" b="1" dirty="0"/>
+              <a:t>Take your name tags with you and bring them back to class through the end of Sprint 2</a:t>
+            </a:r>
+            <a:br>
+              <a:rPr lang="en-US" sz="3600" b="1" dirty="0"/>
+            </a:br>
+            <a:endParaRPr lang="en-US" sz="3600" dirty="0"/>
+          </a:p>
+        </p:txBody>
+      </p:sp>
+    </p:spTree>
+    <p:extLst>
+      <p:ext uri="{BB962C8B-B14F-4D97-AF65-F5344CB8AC3E}">
+        <p14:creationId xmlns:p14="http://schemas.microsoft.com/office/powerpoint/2010/main" val="1650477148"/>
+      </p:ext>
+    </p:extLst>
+  </p:cSld>
+  <p:clrMapOvr>
+    <a:masterClrMapping/>
+  </p:clrMapOvr>
+</p:sld>
+</file>
+
+<file path=ppt/slides/slide14.xml><?xml version="1.0" encoding="utf-8"?>
+<p:sld xmlns:a="http://schemas.openxmlformats.org/drawingml/2006/main" xmlns:r="http://schemas.openxmlformats.org/officeDocument/2006/relationships" xmlns:p="http://schemas.openxmlformats.org/presentationml/2006/main">
+  <p:cSld>
+    <p:bg>
+      <p:bgPr>
+        <a:solidFill>
+          <a:schemeClr val="bg1">
+            <a:lumMod val="85000"/>
+          </a:schemeClr>
+        </a:solidFill>
+        <a:effectLst/>
+      </p:bgPr>
+    </p:bg>
+    <p:spTree>
+      <p:nvGrpSpPr>
+        <p:cNvPr id="1" name=""/>
+        <p:cNvGrpSpPr/>
+        <p:nvPr/>
+      </p:nvGrpSpPr>
+      <p:grpSpPr>
+        <a:xfrm>
+          <a:off x="0" y="0"/>
+          <a:ext cx="0" cy="0"/>
+          <a:chOff x="0" y="0"/>
+          <a:chExt cx="0" cy="0"/>
+        </a:xfrm>
+      </p:grpSpPr>
+      <p:sp>
+        <p:nvSpPr>
+          <p:cNvPr id="2" name="Title 1"/>
+          <p:cNvSpPr>
+            <a:spLocks noGrp="1"/>
+          </p:cNvSpPr>
+          <p:nvPr>
+            <p:ph type="ctrTitle"/>
+          </p:nvPr>
+        </p:nvSpPr>
+        <p:spPr>
+          <a:xfrm>
+            <a:off x="1524000" y="3051480"/>
+            <a:ext cx="9144000" cy="755040"/>
+          </a:xfrm>
+        </p:spPr>
+        <p:txBody>
+          <a:bodyPr anchor="ctr">
+            <a:normAutofit/>
+          </a:bodyPr>
+          <a:lstStyle/>
+          <a:p>
+            <a:r>
+              <a:rPr lang="en-US" sz="4800" dirty="0"/>
+              <a:t>End of Session</a:t>
+            </a:r>
+          </a:p>
+        </p:txBody>
+      </p:sp>
+    </p:spTree>
+    <p:extLst>
+      <p:ext uri="{BB962C8B-B14F-4D97-AF65-F5344CB8AC3E}">
+        <p14:creationId xmlns:p14="http://schemas.microsoft.com/office/powerpoint/2010/main" val="1130818612"/>
+      </p:ext>
+    </p:extLst>
+  </p:cSld>
+  <p:clrMapOvr>
+    <a:masterClrMapping/>
+  </p:clrMapOvr>
+</p:sld>
+</file>
+
 <file path=ppt/slides/slide2.xml><?xml version="1.0" encoding="utf-8"?>
 <p:sld xmlns:a="http://schemas.openxmlformats.org/drawingml/2006/main" xmlns:r="http://schemas.openxmlformats.org/officeDocument/2006/relationships" xmlns:p="http://schemas.openxmlformats.org/presentationml/2006/main">
   <p:cSld>
@@ -4774,10 +5655,10 @@
       </p:grpSpPr>
       <p:sp>
         <p:nvSpPr>
-          <p:cNvPr id="4" name="Title 1">
-            <a:extLst>
-              <a:ext uri="{FF2B5EF4-FFF2-40B4-BE49-F238E27FC236}">
-                <a16:creationId xmlns:a16="http://schemas.microsoft.com/office/drawing/2014/main" id="{71AB7F5B-4495-498D-9228-FE0FCE273C43}"/>
+          <p:cNvPr id="2" name="Title 1">
+            <a:extLst>
+              <a:ext uri="{FF2B5EF4-FFF2-40B4-BE49-F238E27FC236}">
+                <a16:creationId xmlns:a16="http://schemas.microsoft.com/office/drawing/2014/main" id="{2A5755BE-860E-40EB-ADA6-6E82BCB49EC3}"/>
               </a:ext>
             </a:extLst>
           </p:cNvPr>
@@ -4786,12 +5667,40 @@
           </p:cNvSpPr>
           <p:nvPr>
             <p:ph type="title"/>
+          </p:nvPr>
+        </p:nvSpPr>
+        <p:spPr/>
+        <p:txBody>
+          <a:bodyPr/>
+          <a:lstStyle/>
+          <a:p>
+            <a:r>
+              <a:rPr lang="en-US" dirty="0"/>
+              <a:t>Assignment for This Class</a:t>
+            </a:r>
+          </a:p>
+        </p:txBody>
+      </p:sp>
+      <p:sp>
+        <p:nvSpPr>
+          <p:cNvPr id="3" name="Content Placeholder 2">
+            <a:extLst>
+              <a:ext uri="{FF2B5EF4-FFF2-40B4-BE49-F238E27FC236}">
+                <a16:creationId xmlns:a16="http://schemas.microsoft.com/office/drawing/2014/main" id="{72EF5DE0-5958-4171-A9E3-3D288A31AC3F}"/>
+              </a:ext>
+            </a:extLst>
+          </p:cNvPr>
+          <p:cNvSpPr>
+            <a:spLocks noGrp="1"/>
+          </p:cNvSpPr>
+          <p:nvPr>
+            <p:ph idx="1"/>
           </p:nvPr>
         </p:nvSpPr>
         <p:spPr>
           <a:xfrm>
-            <a:off x="838200" y="474626"/>
-            <a:ext cx="10515600" cy="757272"/>
+            <a:off x="838200" y="1654444"/>
+            <a:ext cx="10515600" cy="4522519"/>
           </a:xfrm>
         </p:spPr>
         <p:txBody>
@@ -4800,158 +5709,62 @@
           </a:bodyPr>
           <a:lstStyle/>
           <a:p>
-            <a:r>
-              <a:rPr lang="en-US" sz="3600" dirty="0"/>
-              <a:t>Welcome!</a:t>
-            </a:r>
-            <a:endParaRPr lang="en-US" sz="3600" b="1" i="1" u="sng" dirty="0"/>
-          </a:p>
-        </p:txBody>
-      </p:sp>
-      <p:sp>
-        <p:nvSpPr>
-          <p:cNvPr id="5" name="Content Placeholder 2">
-            <a:extLst>
-              <a:ext uri="{FF2B5EF4-FFF2-40B4-BE49-F238E27FC236}">
-                <a16:creationId xmlns:a16="http://schemas.microsoft.com/office/drawing/2014/main" id="{A3AEDF17-A7EB-42B8-A3CF-77C0E99B49FB}"/>
-              </a:ext>
-            </a:extLst>
-          </p:cNvPr>
-          <p:cNvSpPr>
-            <a:spLocks noGrp="1"/>
-          </p:cNvSpPr>
-          <p:nvPr>
-            <p:ph idx="1"/>
-          </p:nvPr>
-        </p:nvSpPr>
-        <p:spPr>
-          <a:xfrm>
-            <a:off x="838200" y="1231898"/>
-            <a:ext cx="10718950" cy="5030679"/>
-          </a:xfrm>
-        </p:spPr>
-        <p:txBody>
-          <a:bodyPr>
-            <a:normAutofit/>
-          </a:bodyPr>
-          <a:lstStyle/>
-          <a:p>
             <a:pPr marL="0" indent="0">
-              <a:spcBef>
-                <a:spcPts val="1800"/>
-              </a:spcBef>
               <a:buNone/>
             </a:pPr>
             <a:r>
-              <a:rPr lang="en-US" sz="2000" dirty="0"/>
-              <a:t>This is:</a:t>
+              <a:rPr lang="en-US" dirty="0"/>
+              <a:t>Complete Activity List items 1 through 8 before our next class and be prepared to discuss them </a:t>
             </a:r>
           </a:p>
           <a:p>
             <a:pPr marL="0" indent="0">
-              <a:spcBef>
-                <a:spcPts val="600"/>
-              </a:spcBef>
               <a:buNone/>
             </a:pPr>
             <a:r>
-              <a:rPr lang="en-US" sz="2000" dirty="0"/>
-              <a:t>	Object-Oriented Programming</a:t>
+              <a:rPr lang="en-US" dirty="0"/>
+              <a:t> </a:t>
             </a:r>
           </a:p>
           <a:p>
             <a:pPr marL="0" indent="0">
-              <a:spcBef>
-                <a:spcPts val="600"/>
-              </a:spcBef>
               <a:buNone/>
             </a:pPr>
             <a:r>
-              <a:rPr lang="en-US" sz="2000" dirty="0"/>
-              <a:t>	MWF 2-2:50pm CST</a:t>
+              <a:rPr lang="en-US" dirty="0"/>
+              <a:t>Be ready to form Scrum teams that each have a mix of skill sets during our next lab/lecture session</a:t>
             </a:r>
           </a:p>
           <a:p>
             <a:pPr marL="0" indent="0">
-              <a:spcBef>
-                <a:spcPts val="600"/>
-              </a:spcBef>
               <a:buNone/>
             </a:pPr>
-            <a:r>
-              <a:rPr lang="en-US" sz="2000" dirty="0"/>
-              <a:t>	AS 104A</a:t>
-            </a:r>
+            <a:endParaRPr lang="en-US" dirty="0"/>
           </a:p>
           <a:p>
             <a:pPr marL="0" indent="0">
-              <a:spcBef>
-                <a:spcPts val="2400"/>
-              </a:spcBef>
               <a:buNone/>
             </a:pPr>
             <a:r>
-              <a:rPr lang="en-US" sz="2000" dirty="0"/>
-              <a:t>And I am:</a:t>
+              <a:rPr lang="en-US" b="1" dirty="0"/>
+              <a:t>Take your name tags with you and bring them back to class through the end of Sprint 2</a:t>
             </a:r>
           </a:p>
           <a:p>
             <a:pPr marL="0" indent="0">
-              <a:spcBef>
-                <a:spcPts val="600"/>
-              </a:spcBef>
               <a:buNone/>
             </a:pPr>
-            <a:r>
-              <a:rPr lang="en-US" sz="2000" dirty="0"/>
-              <a:t>	Eric Pogue</a:t>
-            </a:r>
-          </a:p>
-          <a:p>
-            <a:pPr marL="0" indent="0">
-              <a:spcBef>
-                <a:spcPts val="600"/>
-              </a:spcBef>
-              <a:buNone/>
-            </a:pPr>
-            <a:endParaRPr lang="en-US" sz="2000" dirty="0"/>
-          </a:p>
-          <a:p>
-            <a:pPr marL="0" indent="0">
-              <a:spcBef>
-                <a:spcPts val="600"/>
-              </a:spcBef>
-              <a:buNone/>
-            </a:pPr>
-            <a:endParaRPr lang="en-US" sz="2000" dirty="0"/>
-          </a:p>
-          <a:p>
-            <a:pPr marL="0" indent="0">
-              <a:spcBef>
-                <a:spcPts val="600"/>
-              </a:spcBef>
-              <a:buNone/>
-            </a:pPr>
-            <a:r>
-              <a:rPr lang="en-US" sz="2000" dirty="0"/>
-              <a:t>Review Welcome Announcement</a:t>
-            </a:r>
-          </a:p>
-          <a:p>
-            <a:pPr marL="0" indent="0">
-              <a:spcBef>
-                <a:spcPts val="600"/>
-              </a:spcBef>
-              <a:buNone/>
-            </a:pPr>
-            <a:endParaRPr lang="en-US" sz="2000" dirty="0"/>
+            <a:endParaRPr lang="en-US" sz="1800" dirty="0"/>
+          </a:p>
+          <a:p>
+            <a:endParaRPr lang="en-US" dirty="0"/>
           </a:p>
         </p:txBody>
       </p:sp>
     </p:spTree>
     <p:extLst>
       <p:ext uri="{BB962C8B-B14F-4D97-AF65-F5344CB8AC3E}">
-        <p14:creationId xmlns:p14="http://schemas.microsoft.com/office/powerpoint/2010/main" val="2419417202"/>
+        <p14:creationId xmlns:p14="http://schemas.microsoft.com/office/powerpoint/2010/main" val="2772111794"/>
       </p:ext>
     </p:extLst>
   </p:cSld>
@@ -5162,7 +5975,7 @@
           <a:p>
             <a:r>
               <a:rPr lang="en-US" sz="4800" dirty="0"/>
-              <a:t>Discussion: Syllabus Overview</a:t>
+              <a:t>Discussion: Scrum </a:t>
             </a:r>
           </a:p>
         </p:txBody>
@@ -5170,7 +5983,7 @@
     </p:spTree>
     <p:extLst>
       <p:ext uri="{BB962C8B-B14F-4D97-AF65-F5344CB8AC3E}">
-        <p14:creationId xmlns:p14="http://schemas.microsoft.com/office/powerpoint/2010/main" val="1661887882"/>
+        <p14:creationId xmlns:p14="http://schemas.microsoft.com/office/powerpoint/2010/main" val="3278879749"/>
       </p:ext>
     </p:extLst>
   </p:cSld>
@@ -5199,37 +6012,85 @@
       </p:grpSpPr>
       <p:sp>
         <p:nvSpPr>
-          <p:cNvPr id="2" name="Title 1"/>
-          <p:cNvSpPr>
-            <a:spLocks noGrp="1"/>
-          </p:cNvSpPr>
-          <p:nvPr>
-            <p:ph type="ctrTitle"/>
+          <p:cNvPr id="2" name="Title 1">
+            <a:extLst>
+              <a:ext uri="{FF2B5EF4-FFF2-40B4-BE49-F238E27FC236}">
+                <a16:creationId xmlns:a16="http://schemas.microsoft.com/office/drawing/2014/main" id="{9E08B5CA-B7E4-41A8-A034-C822BB8F7D63}"/>
+              </a:ext>
+            </a:extLst>
+          </p:cNvPr>
+          <p:cNvSpPr>
+            <a:spLocks noGrp="1"/>
+          </p:cNvSpPr>
+          <p:nvPr>
+            <p:ph type="title"/>
           </p:nvPr>
         </p:nvSpPr>
         <p:spPr>
           <a:xfrm>
-            <a:off x="1524000" y="3025490"/>
-            <a:ext cx="9144000" cy="807019"/>
+            <a:off x="838200" y="365125"/>
+            <a:ext cx="10515600" cy="1325563"/>
           </a:xfrm>
         </p:spPr>
         <p:txBody>
-          <a:bodyPr anchor="ctr">
-            <a:normAutofit fontScale="90000"/>
-          </a:bodyPr>
-          <a:lstStyle/>
-          <a:p>
-            <a:r>
-              <a:rPr lang="en-US" sz="4800" dirty="0"/>
-              <a:t>Discussion: Object-Oriented Programming Concepts and Practices</a:t>
-            </a:r>
-          </a:p>
-        </p:txBody>
-      </p:sp>
+          <a:bodyPr/>
+          <a:lstStyle/>
+          <a:p>
+            <a:r>
+              <a:rPr lang="en-US" dirty="0"/>
+              <a:t>Scrum Roles </a:t>
+            </a:r>
+            <a:br>
+              <a:rPr lang="en-US" dirty="0"/>
+            </a:br>
+            <a:r>
+              <a:rPr lang="en-US" sz="3200" dirty="0"/>
+              <a:t>from Introduction to Scrum - 7 Minutes YouTube video </a:t>
+            </a:r>
+            <a:r>
+              <a:rPr lang="en-US" sz="3200" dirty="0">
+                <a:hlinkClick r:id="rId3"/>
+              </a:rPr>
+              <a:t>[link]</a:t>
+            </a:r>
+            <a:endParaRPr lang="en-US" sz="3200" dirty="0"/>
+          </a:p>
+        </p:txBody>
+      </p:sp>
+      <p:pic>
+        <p:nvPicPr>
+          <p:cNvPr id="4" name="Picture 3">
+            <a:extLst>
+              <a:ext uri="{FF2B5EF4-FFF2-40B4-BE49-F238E27FC236}">
+                <a16:creationId xmlns:a16="http://schemas.microsoft.com/office/drawing/2014/main" id="{443F4D2A-A464-486B-869D-13414E9D7409}"/>
+              </a:ext>
+            </a:extLst>
+          </p:cNvPr>
+          <p:cNvPicPr>
+            <a:picLocks noChangeAspect="1"/>
+          </p:cNvPicPr>
+          <p:nvPr/>
+        </p:nvPicPr>
+        <p:blipFill>
+          <a:blip r:embed="rId4"/>
+          <a:stretch>
+            <a:fillRect/>
+          </a:stretch>
+        </p:blipFill>
+        <p:spPr>
+          <a:xfrm>
+            <a:off x="1359293" y="1690688"/>
+            <a:ext cx="9473413" cy="5051002"/>
+          </a:xfrm>
+          <a:prstGeom prst="rect">
+            <a:avLst/>
+          </a:prstGeom>
+        </p:spPr>
+      </p:pic>
     </p:spTree>
     <p:extLst>
       <p:ext uri="{BB962C8B-B14F-4D97-AF65-F5344CB8AC3E}">
-        <p14:creationId xmlns:p14="http://schemas.microsoft.com/office/powerpoint/2010/main" val="820589327"/>
+        <p14:creationId xmlns:p14="http://schemas.microsoft.com/office/powerpoint/2010/main" val="3957175736"/>
       </p:ext>
     </p:extLst>
   </p:cSld>
@@ -5261,7 +6122,7 @@
           <p:cNvPr id="2" name="Title 1">
             <a:extLst>
               <a:ext uri="{FF2B5EF4-FFF2-40B4-BE49-F238E27FC236}">
-                <a16:creationId xmlns:a16="http://schemas.microsoft.com/office/drawing/2014/main" id="{2A5755BE-860E-40EB-ADA6-6E82BCB49EC3}"/>
+                <a16:creationId xmlns:a16="http://schemas.microsoft.com/office/drawing/2014/main" id="{443FD3EE-6698-4602-B4C0-718F014616A4}"/>
               </a:ext>
             </a:extLst>
           </p:cNvPr>
@@ -5279,101 +6140,481 @@
           <a:p>
             <a:r>
               <a:rPr lang="en-US" dirty="0"/>
-              <a:t>Assignment for Next Class</a:t>
-            </a:r>
-          </a:p>
-        </p:txBody>
-      </p:sp>
-      <p:sp>
-        <p:nvSpPr>
-          <p:cNvPr id="3" name="Content Placeholder 2">
-            <a:extLst>
-              <a:ext uri="{FF2B5EF4-FFF2-40B4-BE49-F238E27FC236}">
-                <a16:creationId xmlns:a16="http://schemas.microsoft.com/office/drawing/2014/main" id="{72EF5DE0-5958-4171-A9E3-3D288A31AC3F}"/>
-              </a:ext>
-            </a:extLst>
-          </p:cNvPr>
-          <p:cNvSpPr>
-            <a:spLocks noGrp="1"/>
-          </p:cNvSpPr>
-          <p:nvPr>
-            <p:ph idx="1"/>
-          </p:nvPr>
+              <a:t>Scrum &amp; Scrum Roles – Sprint Planning</a:t>
+            </a:r>
+          </a:p>
+        </p:txBody>
+      </p:sp>
+      <p:pic>
+        <p:nvPicPr>
+          <p:cNvPr id="1026" name="Picture 2" descr="https://upload.wikimedia.org/wikipedia/commons/d/df/Scrum_Framework.png">
+            <a:extLst>
+              <a:ext uri="{FF2B5EF4-FFF2-40B4-BE49-F238E27FC236}">
+                <a16:creationId xmlns:a16="http://schemas.microsoft.com/office/drawing/2014/main" id="{94D187A3-9AAC-4908-B843-2E262C28DBFE}"/>
+              </a:ext>
+            </a:extLst>
+          </p:cNvPr>
+          <p:cNvPicPr>
+            <a:picLocks noChangeAspect="1" noChangeArrowheads="1"/>
+          </p:cNvPicPr>
+          <p:nvPr/>
+        </p:nvPicPr>
+        <p:blipFill>
+          <a:blip r:embed="rId2">
+            <a:extLst>
+              <a:ext uri="{28A0092B-C50C-407E-A947-70E740481C1C}">
+                <a14:useLocalDpi xmlns:a14="http://schemas.microsoft.com/office/drawing/2010/main" val="0"/>
+              </a:ext>
+            </a:extLst>
+          </a:blip>
+          <a:srcRect/>
+          <a:stretch>
+            <a:fillRect/>
+          </a:stretch>
+        </p:blipFill>
+        <p:spPr bwMode="auto">
+          <a:xfrm>
+            <a:off x="2221847" y="1341064"/>
+            <a:ext cx="8138182" cy="4531099"/>
+          </a:xfrm>
+          <a:prstGeom prst="rect">
+            <a:avLst/>
+          </a:prstGeom>
+          <a:noFill/>
+          <a:extLst>
+            <a:ext uri="{909E8E84-426E-40DD-AFC4-6F175D3DCCD1}">
+              <a14:hiddenFill xmlns:a14="http://schemas.microsoft.com/office/drawing/2010/main">
+                <a:solidFill>
+                  <a:srgbClr val="FFFFFF"/>
+                </a:solidFill>
+              </a14:hiddenFill>
+            </a:ext>
+          </a:extLst>
+        </p:spPr>
+      </p:pic>
+      <p:sp>
+        <p:nvSpPr>
+          <p:cNvPr id="6" name="Rectangle 5">
+            <a:extLst>
+              <a:ext uri="{FF2B5EF4-FFF2-40B4-BE49-F238E27FC236}">
+                <a16:creationId xmlns:a16="http://schemas.microsoft.com/office/drawing/2014/main" id="{C5034F42-102F-445B-BE40-5AF1FC99349D}"/>
+              </a:ext>
+            </a:extLst>
+          </p:cNvPr>
+          <p:cNvSpPr/>
+          <p:nvPr/>
         </p:nvSpPr>
         <p:spPr>
           <a:xfrm>
-            <a:off x="838200" y="1654444"/>
-            <a:ext cx="10515600" cy="4522519"/>
+            <a:off x="3916346" y="6123543"/>
+            <a:ext cx="4749185" cy="369332"/>
           </a:xfrm>
+          <a:prstGeom prst="rect">
+            <a:avLst/>
+          </a:prstGeom>
         </p:spPr>
         <p:txBody>
-          <a:bodyPr>
-            <a:normAutofit/>
+          <a:bodyPr wrap="none">
+            <a:spAutoFit/>
           </a:bodyPr>
           <a:lstStyle/>
           <a:p>
-            <a:pPr marL="0" indent="0">
-              <a:buNone/>
-            </a:pPr>
             <a:r>
               <a:rPr lang="en-US" dirty="0"/>
-              <a:t>Complete Activity List items 1 through 8 before our next class and be prepared to discuss them </a:t>
-            </a:r>
-          </a:p>
-          <a:p>
-            <a:pPr marL="0" indent="0">
-              <a:buNone/>
-            </a:pPr>
+              <a:t>By </a:t>
+            </a:r>
+            <a:r>
+              <a:rPr lang="en-US" dirty="0" err="1">
+                <a:hlinkClick r:id="rId3" tooltip="User:Dr ian mitchell (page does not exist)"/>
+              </a:rPr>
+              <a:t>Dr</a:t>
+            </a:r>
+            <a:r>
+              <a:rPr lang="en-US" dirty="0">
+                <a:hlinkClick r:id="rId3" tooltip="User:Dr ian mitchell (page does not exist)"/>
+              </a:rPr>
+              <a:t> </a:t>
+            </a:r>
+            <a:r>
+              <a:rPr lang="en-US" dirty="0" err="1">
+                <a:hlinkClick r:id="rId3" tooltip="User:Dr ian mitchell (page does not exist)"/>
+              </a:rPr>
+              <a:t>ian</a:t>
+            </a:r>
+            <a:r>
+              <a:rPr lang="en-US" dirty="0">
+                <a:hlinkClick r:id="rId3" tooltip="User:Dr ian mitchell (page does not exist)"/>
+              </a:rPr>
+              <a:t> </a:t>
+            </a:r>
+            <a:r>
+              <a:rPr lang="en-US" dirty="0" err="1">
+                <a:hlinkClick r:id="rId3" tooltip="User:Dr ian mitchell (page does not exist)"/>
+              </a:rPr>
+              <a:t>mitchell</a:t>
+            </a:r>
             <a:r>
               <a:rPr lang="en-US" dirty="0"/>
-              <a:t> </a:t>
-            </a:r>
-          </a:p>
-          <a:p>
-            <a:pPr marL="0" indent="0">
-              <a:buNone/>
-            </a:pPr>
+              <a:t> - Own work, </a:t>
+            </a:r>
+            <a:r>
+              <a:rPr lang="en-US" dirty="0">
+                <a:hlinkClick r:id="rId4" tooltip="Creative Commons Attribution-Share Alike 4.0"/>
+              </a:rPr>
+              <a:t>CC BY-SA 4.0</a:t>
+            </a:r>
             <a:r>
               <a:rPr lang="en-US" dirty="0"/>
-              <a:t>Be ready to form Scrum teams that each have a mix of skill sets during our next lab/lecture session</a:t>
-            </a:r>
-          </a:p>
-          <a:p>
-            <a:pPr marL="0" indent="0">
-              <a:buNone/>
-            </a:pPr>
+              <a:t>, </a:t>
+            </a:r>
+            <a:r>
+              <a:rPr lang="en-US" dirty="0">
+                <a:hlinkClick r:id="rId5"/>
+              </a:rPr>
+              <a:t>Link</a:t>
+            </a:r>
             <a:endParaRPr lang="en-US" dirty="0"/>
           </a:p>
-          <a:p>
-            <a:pPr marL="0" indent="0">
-              <a:buNone/>
-            </a:pPr>
-            <a:r>
-              <a:rPr lang="en-US" b="1" dirty="0"/>
-              <a:t>Take your name tags with you and bring them back to class through the end of Sprint 2</a:t>
-            </a:r>
-          </a:p>
-          <a:p>
-            <a:pPr marL="0" indent="0">
-              <a:buNone/>
-            </a:pPr>
-            <a:endParaRPr lang="en-US" sz="1800" dirty="0"/>
-          </a:p>
-          <a:p>
-            <a:endParaRPr lang="en-US" dirty="0"/>
+        </p:txBody>
+      </p:sp>
+      <p:sp>
+        <p:nvSpPr>
+          <p:cNvPr id="13" name="Oval 12">
+            <a:extLst>
+              <a:ext uri="{FF2B5EF4-FFF2-40B4-BE49-F238E27FC236}">
+                <a16:creationId xmlns:a16="http://schemas.microsoft.com/office/drawing/2014/main" id="{CB822028-AE62-4F61-8F14-297C0D4C1218}"/>
+              </a:ext>
+            </a:extLst>
+          </p:cNvPr>
+          <p:cNvSpPr/>
+          <p:nvPr/>
+        </p:nvSpPr>
+        <p:spPr>
+          <a:xfrm>
+            <a:off x="2221847" y="2608846"/>
+            <a:ext cx="1303578" cy="554229"/>
+          </a:xfrm>
+          <a:prstGeom prst="ellipse">
+            <a:avLst/>
+          </a:prstGeom>
+          <a:solidFill>
+            <a:schemeClr val="tx1">
+              <a:alpha val="0"/>
+            </a:schemeClr>
+          </a:solidFill>
+          <a:ln w="38100">
+            <a:solidFill>
+              <a:srgbClr val="C00000"/>
+            </a:solidFill>
+          </a:ln>
+        </p:spPr>
+        <p:style>
+          <a:lnRef idx="2">
+            <a:schemeClr val="accent1">
+              <a:shade val="50000"/>
+            </a:schemeClr>
+          </a:lnRef>
+          <a:fillRef idx="1">
+            <a:schemeClr val="accent1"/>
+          </a:fillRef>
+          <a:effectRef idx="0">
+            <a:schemeClr val="accent1"/>
+          </a:effectRef>
+          <a:fontRef idx="minor">
+            <a:schemeClr val="lt1"/>
+          </a:fontRef>
+        </p:style>
+        <p:txBody>
+          <a:bodyPr rtlCol="0" anchor="ctr"/>
+          <a:lstStyle/>
+          <a:p>
+            <a:pPr algn="ctr"/>
+            <a:endParaRPr lang="en-US"/>
+          </a:p>
+        </p:txBody>
+      </p:sp>
+      <p:sp>
+        <p:nvSpPr>
+          <p:cNvPr id="8" name="Oval 7">
+            <a:extLst>
+              <a:ext uri="{FF2B5EF4-FFF2-40B4-BE49-F238E27FC236}">
+                <a16:creationId xmlns:a16="http://schemas.microsoft.com/office/drawing/2014/main" id="{57901EE9-B35E-1246-B87C-60E51728ADB2}"/>
+              </a:ext>
+            </a:extLst>
+          </p:cNvPr>
+          <p:cNvSpPr/>
+          <p:nvPr/>
+        </p:nvSpPr>
+        <p:spPr>
+          <a:xfrm>
+            <a:off x="6548040" y="3052384"/>
+            <a:ext cx="1303578" cy="554229"/>
+          </a:xfrm>
+          <a:prstGeom prst="ellipse">
+            <a:avLst/>
+          </a:prstGeom>
+          <a:solidFill>
+            <a:schemeClr val="tx1">
+              <a:alpha val="0"/>
+            </a:schemeClr>
+          </a:solidFill>
+          <a:ln w="38100">
+            <a:solidFill>
+              <a:srgbClr val="C00000"/>
+            </a:solidFill>
+          </a:ln>
+        </p:spPr>
+        <p:style>
+          <a:lnRef idx="2">
+            <a:schemeClr val="accent1">
+              <a:shade val="50000"/>
+            </a:schemeClr>
+          </a:lnRef>
+          <a:fillRef idx="1">
+            <a:schemeClr val="accent1"/>
+          </a:fillRef>
+          <a:effectRef idx="0">
+            <a:schemeClr val="accent1"/>
+          </a:effectRef>
+          <a:fontRef idx="minor">
+            <a:schemeClr val="lt1"/>
+          </a:fontRef>
+        </p:style>
+        <p:txBody>
+          <a:bodyPr rtlCol="0" anchor="ctr"/>
+          <a:lstStyle/>
+          <a:p>
+            <a:pPr algn="ctr"/>
+            <a:endParaRPr lang="en-US"/>
           </a:p>
         </p:txBody>
       </p:sp>
     </p:spTree>
     <p:extLst>
       <p:ext uri="{BB962C8B-B14F-4D97-AF65-F5344CB8AC3E}">
-        <p14:creationId xmlns:p14="http://schemas.microsoft.com/office/powerpoint/2010/main" val="3934992363"/>
+        <p14:creationId xmlns:p14="http://schemas.microsoft.com/office/powerpoint/2010/main" val="3186859622"/>
       </p:ext>
     </p:extLst>
   </p:cSld>
   <p:clrMapOvr>
     <a:masterClrMapping/>
   </p:clrMapOvr>
+  <p:timing>
+    <p:tnLst>
+      <p:par>
+        <p:cTn id="1" dur="indefinite" restart="never" nodeType="tmRoot">
+          <p:childTnLst>
+            <p:seq concurrent="1" nextAc="seek">
+              <p:cTn id="2" dur="indefinite" nodeType="mainSeq">
+                <p:childTnLst>
+                  <p:par>
+                    <p:cTn id="3" fill="hold">
+                      <p:stCondLst>
+                        <p:cond delay="indefinite"/>
+                      </p:stCondLst>
+                      <p:childTnLst>
+                        <p:par>
+                          <p:cTn id="4" fill="hold">
+                            <p:stCondLst>
+                              <p:cond delay="0"/>
+                            </p:stCondLst>
+                            <p:childTnLst>
+                              <p:par>
+                                <p:cTn id="5" presetID="2" presetClass="entr" presetSubtype="4" fill="hold" grpId="0" nodeType="clickEffect">
+                                  <p:stCondLst>
+                                    <p:cond delay="0"/>
+                                  </p:stCondLst>
+                                  <p:childTnLst>
+                                    <p:set>
+                                      <p:cBhvr>
+                                        <p:cTn id="6" dur="1" fill="hold">
+                                          <p:stCondLst>
+                                            <p:cond delay="0"/>
+                                          </p:stCondLst>
+                                        </p:cTn>
+                                        <p:tgtEl>
+                                          <p:spTgt spid="13"/>
+                                        </p:tgtEl>
+                                        <p:attrNameLst>
+                                          <p:attrName>style.visibility</p:attrName>
+                                        </p:attrNameLst>
+                                      </p:cBhvr>
+                                      <p:to>
+                                        <p:strVal val="visible"/>
+                                      </p:to>
+                                    </p:set>
+                                    <p:anim calcmode="lin" valueType="num">
+                                      <p:cBhvr additive="base">
+                                        <p:cTn id="7" dur="500" fill="hold"/>
+                                        <p:tgtEl>
+                                          <p:spTgt spid="13"/>
+                                        </p:tgtEl>
+                                        <p:attrNameLst>
+                                          <p:attrName>ppt_x</p:attrName>
+                                        </p:attrNameLst>
+                                      </p:cBhvr>
+                                      <p:tavLst>
+                                        <p:tav tm="0">
+                                          <p:val>
+                                            <p:strVal val="#ppt_x"/>
+                                          </p:val>
+                                        </p:tav>
+                                        <p:tav tm="100000">
+                                          <p:val>
+                                            <p:strVal val="#ppt_x"/>
+                                          </p:val>
+                                        </p:tav>
+                                      </p:tavLst>
+                                    </p:anim>
+                                    <p:anim calcmode="lin" valueType="num">
+                                      <p:cBhvr additive="base">
+                                        <p:cTn id="8" dur="500" fill="hold"/>
+                                        <p:tgtEl>
+                                          <p:spTgt spid="13"/>
+                                        </p:tgtEl>
+                                        <p:attrNameLst>
+                                          <p:attrName>ppt_y</p:attrName>
+                                        </p:attrNameLst>
+                                      </p:cBhvr>
+                                      <p:tavLst>
+                                        <p:tav tm="0">
+                                          <p:val>
+                                            <p:strVal val="1+#ppt_h/2"/>
+                                          </p:val>
+                                        </p:tav>
+                                        <p:tav tm="100000">
+                                          <p:val>
+                                            <p:strVal val="#ppt_y"/>
+                                          </p:val>
+                                        </p:tav>
+                                      </p:tavLst>
+                                    </p:anim>
+                                  </p:childTnLst>
+                                </p:cTn>
+                              </p:par>
+                            </p:childTnLst>
+                          </p:cTn>
+                        </p:par>
+                      </p:childTnLst>
+                    </p:cTn>
+                  </p:par>
+                  <p:par>
+                    <p:cTn id="9" fill="hold">
+                      <p:stCondLst>
+                        <p:cond delay="indefinite"/>
+                      </p:stCondLst>
+                      <p:childTnLst>
+                        <p:par>
+                          <p:cTn id="10" fill="hold">
+                            <p:stCondLst>
+                              <p:cond delay="0"/>
+                            </p:stCondLst>
+                            <p:childTnLst>
+                              <p:par>
+                                <p:cTn id="11" presetID="2" presetClass="entr" presetSubtype="4" fill="hold" grpId="0" nodeType="clickEffect">
+                                  <p:stCondLst>
+                                    <p:cond delay="0"/>
+                                  </p:stCondLst>
+                                  <p:childTnLst>
+                                    <p:set>
+                                      <p:cBhvr>
+                                        <p:cTn id="12" dur="1" fill="hold">
+                                          <p:stCondLst>
+                                            <p:cond delay="0"/>
+                                          </p:stCondLst>
+                                        </p:cTn>
+                                        <p:tgtEl>
+                                          <p:spTgt spid="8"/>
+                                        </p:tgtEl>
+                                        <p:attrNameLst>
+                                          <p:attrName>style.visibility</p:attrName>
+                                        </p:attrNameLst>
+                                      </p:cBhvr>
+                                      <p:to>
+                                        <p:strVal val="visible"/>
+                                      </p:to>
+                                    </p:set>
+                                    <p:anim calcmode="lin" valueType="num">
+                                      <p:cBhvr additive="base">
+                                        <p:cTn id="13" dur="500" fill="hold"/>
+                                        <p:tgtEl>
+                                          <p:spTgt spid="8"/>
+                                        </p:tgtEl>
+                                        <p:attrNameLst>
+                                          <p:attrName>ppt_x</p:attrName>
+                                        </p:attrNameLst>
+                                      </p:cBhvr>
+                                      <p:tavLst>
+                                        <p:tav tm="0">
+                                          <p:val>
+                                            <p:strVal val="#ppt_x"/>
+                                          </p:val>
+                                        </p:tav>
+                                        <p:tav tm="100000">
+                                          <p:val>
+                                            <p:strVal val="#ppt_x"/>
+                                          </p:val>
+                                        </p:tav>
+                                      </p:tavLst>
+                                    </p:anim>
+                                    <p:anim calcmode="lin" valueType="num">
+                                      <p:cBhvr additive="base">
+                                        <p:cTn id="14" dur="500" fill="hold"/>
+                                        <p:tgtEl>
+                                          <p:spTgt spid="8"/>
+                                        </p:tgtEl>
+                                        <p:attrNameLst>
+                                          <p:attrName>ppt_y</p:attrName>
+                                        </p:attrNameLst>
+                                      </p:cBhvr>
+                                      <p:tavLst>
+                                        <p:tav tm="0">
+                                          <p:val>
+                                            <p:strVal val="1+#ppt_h/2"/>
+                                          </p:val>
+                                        </p:tav>
+                                        <p:tav tm="100000">
+                                          <p:val>
+                                            <p:strVal val="#ppt_y"/>
+                                          </p:val>
+                                        </p:tav>
+                                      </p:tavLst>
+                                    </p:anim>
+                                  </p:childTnLst>
+                                </p:cTn>
+                              </p:par>
+                            </p:childTnLst>
+                          </p:cTn>
+                        </p:par>
+                      </p:childTnLst>
+                    </p:cTn>
+                  </p:par>
+                </p:childTnLst>
+              </p:cTn>
+              <p:prevCondLst>
+                <p:cond evt="onPrev" delay="0">
+                  <p:tgtEl>
+                    <p:sldTgt/>
+                  </p:tgtEl>
+                </p:cond>
+              </p:prevCondLst>
+              <p:nextCondLst>
+                <p:cond evt="onNext" delay="0">
+                  <p:tgtEl>
+                    <p:sldTgt/>
+                  </p:tgtEl>
+                </p:cond>
+              </p:nextCondLst>
+            </p:seq>
+          </p:childTnLst>
+        </p:cTn>
+      </p:par>
+    </p:tnLst>
+    <p:bldLst>
+      <p:bldP spid="13" grpId="0" animBg="1"/>
+      <p:bldP spid="8" grpId="0" animBg="1"/>
+    </p:bldLst>
+  </p:timing>
 </p:sld>
 </file>
 
@@ -5406,314 +6647,19 @@
         </p:nvSpPr>
         <p:spPr>
           <a:xfrm>
-            <a:off x="1524000" y="1122365"/>
-            <a:ext cx="9144000" cy="1839044"/>
+            <a:off x="1524000" y="3025490"/>
+            <a:ext cx="9144000" cy="807019"/>
           </a:xfrm>
         </p:spPr>
         <p:txBody>
-          <a:bodyPr>
+          <a:bodyPr anchor="ctr">
             <a:normAutofit/>
           </a:bodyPr>
           <a:lstStyle/>
           <a:p>
             <a:r>
               <a:rPr lang="en-US" sz="4800" dirty="0"/>
-              <a:t>Lab</a:t>
-            </a:r>
-          </a:p>
-        </p:txBody>
-      </p:sp>
-      <p:sp>
-        <p:nvSpPr>
-          <p:cNvPr id="3" name="Content Placeholder 2">
-            <a:extLst>
-              <a:ext uri="{FF2B5EF4-FFF2-40B4-BE49-F238E27FC236}">
-                <a16:creationId xmlns:a16="http://schemas.microsoft.com/office/drawing/2014/main" id="{384C868E-346E-4359-BF4F-AAEC6F6AA8BC}"/>
-              </a:ext>
-            </a:extLst>
-          </p:cNvPr>
-          <p:cNvSpPr txBox="1">
-            <a:spLocks/>
-          </p:cNvSpPr>
-          <p:nvPr/>
-        </p:nvSpPr>
-        <p:spPr>
-          <a:xfrm>
-            <a:off x="838199" y="3190008"/>
-            <a:ext cx="10515601" cy="3368107"/>
-          </a:xfrm>
-          <a:prstGeom prst="rect">
-            <a:avLst/>
-          </a:prstGeom>
-        </p:spPr>
-        <p:txBody>
-          <a:bodyPr vert="horz" lIns="91440" tIns="45720" rIns="91440" bIns="45720" rtlCol="0">
-            <a:noAutofit/>
-          </a:bodyPr>
-          <a:lstStyle>
-            <a:lvl1pPr marL="0" indent="0" algn="ctr" defTabSz="914400" rtl="0" eaLnBrk="1" latinLnBrk="0" hangingPunct="1">
-              <a:lnSpc>
-                <a:spcPct val="90000"/>
-              </a:lnSpc>
-              <a:spcBef>
-                <a:spcPts val="1000"/>
-              </a:spcBef>
-              <a:buFont typeface="Arial" panose="020B0604020202020204" pitchFamily="34" charset="0"/>
-              <a:buNone/>
-              <a:defRPr sz="2400" kern="1200">
-                <a:solidFill>
-                  <a:schemeClr val="tx1"/>
-                </a:solidFill>
-                <a:latin typeface="+mn-lt"/>
-                <a:ea typeface="+mn-ea"/>
-                <a:cs typeface="+mn-cs"/>
-              </a:defRPr>
-            </a:lvl1pPr>
-            <a:lvl2pPr marL="457200" indent="0" algn="ctr" defTabSz="914400" rtl="0" eaLnBrk="1" latinLnBrk="0" hangingPunct="1">
-              <a:lnSpc>
-                <a:spcPct val="90000"/>
-              </a:lnSpc>
-              <a:spcBef>
-                <a:spcPts val="500"/>
-              </a:spcBef>
-              <a:buFont typeface="Arial" panose="020B0604020202020204" pitchFamily="34" charset="0"/>
-              <a:buNone/>
-              <a:defRPr sz="2000" kern="1200">
-                <a:solidFill>
-                  <a:schemeClr val="tx1"/>
-                </a:solidFill>
-                <a:latin typeface="+mn-lt"/>
-                <a:ea typeface="+mn-ea"/>
-                <a:cs typeface="+mn-cs"/>
-              </a:defRPr>
-            </a:lvl2pPr>
-            <a:lvl3pPr marL="914400" indent="0" algn="ctr" defTabSz="914400" rtl="0" eaLnBrk="1" latinLnBrk="0" hangingPunct="1">
-              <a:lnSpc>
-                <a:spcPct val="90000"/>
-              </a:lnSpc>
-              <a:spcBef>
-                <a:spcPts val="500"/>
-              </a:spcBef>
-              <a:buFont typeface="Arial" panose="020B0604020202020204" pitchFamily="34" charset="0"/>
-              <a:buNone/>
-              <a:defRPr sz="1800" kern="1200">
-                <a:solidFill>
-                  <a:schemeClr val="tx1"/>
-                </a:solidFill>
-                <a:latin typeface="+mn-lt"/>
-                <a:ea typeface="+mn-ea"/>
-                <a:cs typeface="+mn-cs"/>
-              </a:defRPr>
-            </a:lvl3pPr>
-            <a:lvl4pPr marL="1371600" indent="0" algn="ctr" defTabSz="914400" rtl="0" eaLnBrk="1" latinLnBrk="0" hangingPunct="1">
-              <a:lnSpc>
-                <a:spcPct val="90000"/>
-              </a:lnSpc>
-              <a:spcBef>
-                <a:spcPts val="500"/>
-              </a:spcBef>
-              <a:buFont typeface="Arial" panose="020B0604020202020204" pitchFamily="34" charset="0"/>
-              <a:buNone/>
-              <a:defRPr sz="1600" kern="1200">
-                <a:solidFill>
-                  <a:schemeClr val="tx1"/>
-                </a:solidFill>
-                <a:latin typeface="+mn-lt"/>
-                <a:ea typeface="+mn-ea"/>
-                <a:cs typeface="+mn-cs"/>
-              </a:defRPr>
-            </a:lvl4pPr>
-            <a:lvl5pPr marL="1828800" indent="0" algn="ctr" defTabSz="914400" rtl="0" eaLnBrk="1" latinLnBrk="0" hangingPunct="1">
-              <a:lnSpc>
-                <a:spcPct val="90000"/>
-              </a:lnSpc>
-              <a:spcBef>
-                <a:spcPts val="500"/>
-              </a:spcBef>
-              <a:buFont typeface="Arial" panose="020B0604020202020204" pitchFamily="34" charset="0"/>
-              <a:buNone/>
-              <a:defRPr sz="1600" kern="1200">
-                <a:solidFill>
-                  <a:schemeClr val="tx1"/>
-                </a:solidFill>
-                <a:latin typeface="+mn-lt"/>
-                <a:ea typeface="+mn-ea"/>
-                <a:cs typeface="+mn-cs"/>
-              </a:defRPr>
-            </a:lvl5pPr>
-            <a:lvl6pPr marL="2286000" indent="0" algn="ctr" defTabSz="914400" rtl="0" eaLnBrk="1" latinLnBrk="0" hangingPunct="1">
-              <a:lnSpc>
-                <a:spcPct val="90000"/>
-              </a:lnSpc>
-              <a:spcBef>
-                <a:spcPts val="500"/>
-              </a:spcBef>
-              <a:buFont typeface="Arial" panose="020B0604020202020204" pitchFamily="34" charset="0"/>
-              <a:buNone/>
-              <a:defRPr sz="1600" kern="1200">
-                <a:solidFill>
-                  <a:schemeClr val="tx1"/>
-                </a:solidFill>
-                <a:latin typeface="+mn-lt"/>
-                <a:ea typeface="+mn-ea"/>
-                <a:cs typeface="+mn-cs"/>
-              </a:defRPr>
-            </a:lvl6pPr>
-            <a:lvl7pPr marL="2743200" indent="0" algn="ctr" defTabSz="914400" rtl="0" eaLnBrk="1" latinLnBrk="0" hangingPunct="1">
-              <a:lnSpc>
-                <a:spcPct val="90000"/>
-              </a:lnSpc>
-              <a:spcBef>
-                <a:spcPts val="500"/>
-              </a:spcBef>
-              <a:buFont typeface="Arial" panose="020B0604020202020204" pitchFamily="34" charset="0"/>
-              <a:buNone/>
-              <a:defRPr sz="1600" kern="1200">
-                <a:solidFill>
-                  <a:schemeClr val="tx1"/>
-                </a:solidFill>
-                <a:latin typeface="+mn-lt"/>
-                <a:ea typeface="+mn-ea"/>
-                <a:cs typeface="+mn-cs"/>
-              </a:defRPr>
-            </a:lvl7pPr>
-            <a:lvl8pPr marL="3200400" indent="0" algn="ctr" defTabSz="914400" rtl="0" eaLnBrk="1" latinLnBrk="0" hangingPunct="1">
-              <a:lnSpc>
-                <a:spcPct val="90000"/>
-              </a:lnSpc>
-              <a:spcBef>
-                <a:spcPts val="500"/>
-              </a:spcBef>
-              <a:buFont typeface="Arial" panose="020B0604020202020204" pitchFamily="34" charset="0"/>
-              <a:buNone/>
-              <a:defRPr sz="1600" kern="1200">
-                <a:solidFill>
-                  <a:schemeClr val="tx1"/>
-                </a:solidFill>
-                <a:latin typeface="+mn-lt"/>
-                <a:ea typeface="+mn-ea"/>
-                <a:cs typeface="+mn-cs"/>
-              </a:defRPr>
-            </a:lvl8pPr>
-            <a:lvl9pPr marL="3657600" indent="0" algn="ctr" defTabSz="914400" rtl="0" eaLnBrk="1" latinLnBrk="0" hangingPunct="1">
-              <a:lnSpc>
-                <a:spcPct val="90000"/>
-              </a:lnSpc>
-              <a:spcBef>
-                <a:spcPts val="500"/>
-              </a:spcBef>
-              <a:buFont typeface="Arial" panose="020B0604020202020204" pitchFamily="34" charset="0"/>
-              <a:buNone/>
-              <a:defRPr sz="1600" kern="1200">
-                <a:solidFill>
-                  <a:schemeClr val="tx1"/>
-                </a:solidFill>
-                <a:latin typeface="+mn-lt"/>
-                <a:ea typeface="+mn-ea"/>
-                <a:cs typeface="+mn-cs"/>
-              </a:defRPr>
-            </a:lvl9pPr>
-          </a:lstStyle>
-          <a:p>
-            <a:pPr algn="l">
-              <a:spcBef>
-                <a:spcPts val="0"/>
-              </a:spcBef>
-            </a:pPr>
-            <a:r>
-              <a:rPr lang="en-US" sz="2000" u="sng" dirty="0"/>
-              <a:t>Lab Activates:</a:t>
-            </a:r>
-          </a:p>
-          <a:p>
-            <a:pPr marL="457200" indent="-457200" algn="l">
-              <a:spcBef>
-                <a:spcPts val="0"/>
-              </a:spcBef>
-              <a:buFont typeface="+mj-lt"/>
-              <a:buAutoNum type="arabicPeriod"/>
-            </a:pPr>
-            <a:r>
-              <a:rPr lang="en-US" sz="2000" dirty="0"/>
-              <a:t>Divide into Scrum teams</a:t>
-            </a:r>
-          </a:p>
-          <a:p>
-            <a:pPr marL="457200" indent="-457200" algn="l">
-              <a:spcBef>
-                <a:spcPts val="0"/>
-              </a:spcBef>
-              <a:buFont typeface="+mj-lt"/>
-              <a:buAutoNum type="arabicPeriod"/>
-            </a:pPr>
-            <a:r>
-              <a:rPr lang="en-US" sz="2000" dirty="0"/>
-              <a:t>Identify a Scrum Master</a:t>
-            </a:r>
-          </a:p>
-          <a:p>
-            <a:pPr marL="457200" indent="-457200" algn="l">
-              <a:spcBef>
-                <a:spcPts val="0"/>
-              </a:spcBef>
-              <a:buFont typeface="+mj-lt"/>
-              <a:buAutoNum type="arabicPeriod"/>
-            </a:pPr>
-            <a:r>
-              <a:rPr lang="en-US" sz="2000" dirty="0"/>
-              <a:t>Pick a Name</a:t>
-            </a:r>
-          </a:p>
-          <a:p>
-            <a:pPr marL="457200" indent="-457200" algn="l">
-              <a:spcBef>
-                <a:spcPts val="0"/>
-              </a:spcBef>
-              <a:buFont typeface="+mj-lt"/>
-              <a:buAutoNum type="arabicPeriod"/>
-            </a:pPr>
-            <a:r>
-              <a:rPr lang="en-US" sz="2000" dirty="0"/>
-              <a:t>Review &amp; Discuss Activities List 1</a:t>
-            </a:r>
-          </a:p>
-          <a:p>
-            <a:pPr marL="457200" indent="-457200" algn="l">
-              <a:spcBef>
-                <a:spcPts val="0"/>
-              </a:spcBef>
-              <a:buFont typeface="+mj-lt"/>
-              <a:buAutoNum type="arabicPeriod"/>
-            </a:pPr>
-            <a:r>
-              <a:rPr lang="en-US" sz="2000" dirty="0"/>
-              <a:t>Review &amp; Discuss Programming Assignment 1</a:t>
-            </a:r>
-          </a:p>
-          <a:p>
-            <a:pPr marL="457200" indent="-457200" algn="l">
-              <a:spcBef>
-                <a:spcPts val="0"/>
-              </a:spcBef>
-              <a:buFont typeface="+mj-lt"/>
-              <a:buAutoNum type="arabicPeriod"/>
-            </a:pPr>
-            <a:r>
-              <a:rPr lang="en-US" sz="2000" dirty="0"/>
-              <a:t>Review &amp; Discuss Quiz 1</a:t>
-            </a:r>
-          </a:p>
-          <a:p>
-            <a:pPr marL="457200" indent="-457200" algn="l">
-              <a:spcBef>
-                <a:spcPts val="0"/>
-              </a:spcBef>
-              <a:buFont typeface="+mj-lt"/>
-              <a:buAutoNum type="arabicPeriod"/>
-            </a:pPr>
-            <a:r>
-              <a:rPr lang="en-US" sz="2000" dirty="0"/>
-              <a:t>Report-out last 5 minutes of class</a:t>
+              <a:t>Q&amp;A: Syllabus Overview</a:t>
             </a:r>
           </a:p>
         </p:txBody>
@@ -5721,7 +6667,7 @@
     </p:spTree>
     <p:extLst>
       <p:ext uri="{BB962C8B-B14F-4D97-AF65-F5344CB8AC3E}">
-        <p14:creationId xmlns:p14="http://schemas.microsoft.com/office/powerpoint/2010/main" val="3340901311"/>
+        <p14:creationId xmlns:p14="http://schemas.microsoft.com/office/powerpoint/2010/main" val="1661887882"/>
       </p:ext>
     </p:extLst>
   </p:cSld>
@@ -5760,26 +6706,19 @@
         </p:nvSpPr>
         <p:spPr>
           <a:xfrm>
-            <a:off x="654951" y="3025490"/>
-            <a:ext cx="10013049" cy="807019"/>
+            <a:off x="1524000" y="3025490"/>
+            <a:ext cx="9144000" cy="807019"/>
           </a:xfrm>
         </p:spPr>
         <p:txBody>
           <a:bodyPr anchor="ctr">
-            <a:noAutofit/>
+            <a:normAutofit/>
           </a:bodyPr>
           <a:lstStyle/>
           <a:p>
             <a:r>
               <a:rPr lang="en-US" sz="4800" dirty="0"/>
-              <a:t>Wrap-up and </a:t>
-            </a:r>
-            <a:br>
-              <a:rPr lang="en-US" sz="4800" dirty="0"/>
-            </a:br>
-            <a:r>
-              <a:rPr lang="en-US" sz="4800" dirty="0"/>
-              <a:t>Final Questions/Comments</a:t>
+              <a:t>Q&amp;A: Programming Assignment 1</a:t>
             </a:r>
           </a:p>
         </p:txBody>
@@ -5787,7 +6726,7 @@
     </p:spTree>
     <p:extLst>
       <p:ext uri="{BB962C8B-B14F-4D97-AF65-F5344CB8AC3E}">
-        <p14:creationId xmlns:p14="http://schemas.microsoft.com/office/powerpoint/2010/main" val="1650477148"/>
+        <p14:creationId xmlns:p14="http://schemas.microsoft.com/office/powerpoint/2010/main" val="1487770969"/>
       </p:ext>
     </p:extLst>
   </p:cSld>
@@ -5800,16 +6739,6 @@
 <file path=ppt/slides/slide9.xml><?xml version="1.0" encoding="utf-8"?>
 <p:sld xmlns:a="http://schemas.openxmlformats.org/drawingml/2006/main" xmlns:r="http://schemas.openxmlformats.org/officeDocument/2006/relationships" xmlns:p="http://schemas.openxmlformats.org/presentationml/2006/main">
   <p:cSld>
-    <p:bg>
-      <p:bgPr>
-        <a:solidFill>
-          <a:schemeClr val="bg1">
-            <a:lumMod val="85000"/>
-          </a:schemeClr>
-        </a:solidFill>
-        <a:effectLst/>
-      </p:bgPr>
-    </p:bg>
     <p:spTree>
       <p:nvGrpSpPr>
         <p:cNvPr id="1" name=""/>
@@ -5836,8 +6765,8 @@
         </p:nvSpPr>
         <p:spPr>
           <a:xfrm>
-            <a:off x="1524000" y="3051480"/>
-            <a:ext cx="9144000" cy="755040"/>
+            <a:off x="1524000" y="3025490"/>
+            <a:ext cx="9144000" cy="807019"/>
           </a:xfrm>
         </p:spPr>
         <p:txBody>
@@ -5848,7 +6777,7 @@
           <a:p>
             <a:r>
               <a:rPr lang="en-US" sz="4800" dirty="0"/>
-              <a:t>End of Session</a:t>
+              <a:t>Q&amp;A: Quiz 1 </a:t>
             </a:r>
           </a:p>
         </p:txBody>
@@ -5856,7 +6785,7 @@
     </p:spTree>
     <p:extLst>
       <p:ext uri="{BB962C8B-B14F-4D97-AF65-F5344CB8AC3E}">
-        <p14:creationId xmlns:p14="http://schemas.microsoft.com/office/powerpoint/2010/main" val="1130818612"/>
+        <p14:creationId xmlns:p14="http://schemas.microsoft.com/office/powerpoint/2010/main" val="1858883201"/>
       </p:ext>
     </p:extLst>
   </p:cSld>

--- a/lecture-slides/2019-08-28.pptx
+++ b/lecture-slides/2019-08-28.pptx
@@ -5713,7 +5713,7 @@
               <a:buNone/>
             </a:pPr>
             <a:r>
-              <a:rPr lang="en-US" dirty="0"/>
+              <a:rPr lang="en-US" sz="2000" dirty="0"/>
               <a:t>Complete Activity List items 1 through 8 before our next class and be prepared to discuss them </a:t>
             </a:r>
           </a:p>
@@ -5722,7 +5722,7 @@
               <a:buNone/>
             </a:pPr>
             <a:r>
-              <a:rPr lang="en-US" dirty="0"/>
+              <a:rPr lang="en-US" sz="2000" dirty="0"/>
               <a:t> </a:t>
             </a:r>
           </a:p>
@@ -5731,7 +5731,7 @@
               <a:buNone/>
             </a:pPr>
             <a:r>
-              <a:rPr lang="en-US" dirty="0"/>
+              <a:rPr lang="en-US" sz="2000" dirty="0"/>
               <a:t>Be ready to form Scrum teams that each have a mix of skill sets during our next lab/lecture session</a:t>
             </a:r>
           </a:p>
@@ -5739,25 +5739,16 @@
             <a:pPr marL="0" indent="0">
               <a:buNone/>
             </a:pPr>
-            <a:endParaRPr lang="en-US" dirty="0"/>
+            <a:endParaRPr lang="en-US" sz="2000" dirty="0"/>
           </a:p>
           <a:p>
             <a:pPr marL="0" indent="0">
               <a:buNone/>
             </a:pPr>
             <a:r>
-              <a:rPr lang="en-US" b="1" dirty="0"/>
+              <a:rPr lang="en-US" sz="2000" b="1" dirty="0"/>
               <a:t>Take your name tags with you and bring them back to class through the end of Sprint 2</a:t>
             </a:r>
-          </a:p>
-          <a:p>
-            <a:pPr marL="0" indent="0">
-              <a:buNone/>
-            </a:pPr>
-            <a:endParaRPr lang="en-US" sz="1800" dirty="0"/>
-          </a:p>
-          <a:p>
-            <a:endParaRPr lang="en-US" dirty="0"/>
           </a:p>
         </p:txBody>
       </p:sp>

--- a/lecture-slides/2019-08-28.pptx
+++ b/lecture-slides/2019-08-28.pptx
@@ -210,7 +210,7 @@
           <a:p>
             <a:fld id="{A677DEB0-5AA4-49C7-B0AD-AD047A002C4C}" type="datetimeFigureOut">
               <a:rPr lang="en-US" smtClean="0"/>
-              <a:t>8/28/19</a:t>
+              <a:t>8/28/2019</a:t>
             </a:fld>
             <a:endParaRPr lang="en-US"/>
           </a:p>
@@ -1678,7 +1678,7 @@
           <a:p>
             <a:fld id="{1B52E0E1-344B-4E26-B5AD-CE86AB802485}" type="datetimeFigureOut">
               <a:rPr lang="en-US" smtClean="0"/>
-              <a:t>8/28/19</a:t>
+              <a:t>8/28/2019</a:t>
             </a:fld>
             <a:endParaRPr lang="en-US"/>
           </a:p>
@@ -1876,7 +1876,7 @@
           <a:p>
             <a:fld id="{1B52E0E1-344B-4E26-B5AD-CE86AB802485}" type="datetimeFigureOut">
               <a:rPr lang="en-US" smtClean="0"/>
-              <a:t>8/28/19</a:t>
+              <a:t>8/28/2019</a:t>
             </a:fld>
             <a:endParaRPr lang="en-US"/>
           </a:p>
@@ -2084,7 +2084,7 @@
           <a:p>
             <a:fld id="{1B52E0E1-344B-4E26-B5AD-CE86AB802485}" type="datetimeFigureOut">
               <a:rPr lang="en-US" smtClean="0"/>
-              <a:t>8/28/19</a:t>
+              <a:t>8/28/2019</a:t>
             </a:fld>
             <a:endParaRPr lang="en-US"/>
           </a:p>
@@ -2282,7 +2282,7 @@
           <a:p>
             <a:fld id="{1B52E0E1-344B-4E26-B5AD-CE86AB802485}" type="datetimeFigureOut">
               <a:rPr lang="en-US" smtClean="0"/>
-              <a:t>8/28/19</a:t>
+              <a:t>8/28/2019</a:t>
             </a:fld>
             <a:endParaRPr lang="en-US"/>
           </a:p>
@@ -2557,7 +2557,7 @@
           <a:p>
             <a:fld id="{1B52E0E1-344B-4E26-B5AD-CE86AB802485}" type="datetimeFigureOut">
               <a:rPr lang="en-US" smtClean="0"/>
-              <a:t>8/28/19</a:t>
+              <a:t>8/28/2019</a:t>
             </a:fld>
             <a:endParaRPr lang="en-US"/>
           </a:p>
@@ -2822,7 +2822,7 @@
           <a:p>
             <a:fld id="{1B52E0E1-344B-4E26-B5AD-CE86AB802485}" type="datetimeFigureOut">
               <a:rPr lang="en-US" smtClean="0"/>
-              <a:t>8/28/19</a:t>
+              <a:t>8/28/2019</a:t>
             </a:fld>
             <a:endParaRPr lang="en-US"/>
           </a:p>
@@ -3234,7 +3234,7 @@
           <a:p>
             <a:fld id="{1B52E0E1-344B-4E26-B5AD-CE86AB802485}" type="datetimeFigureOut">
               <a:rPr lang="en-US" smtClean="0"/>
-              <a:t>8/28/19</a:t>
+              <a:t>8/28/2019</a:t>
             </a:fld>
             <a:endParaRPr lang="en-US"/>
           </a:p>
@@ -3375,7 +3375,7 @@
           <a:p>
             <a:fld id="{1B52E0E1-344B-4E26-B5AD-CE86AB802485}" type="datetimeFigureOut">
               <a:rPr lang="en-US" smtClean="0"/>
-              <a:t>8/28/19</a:t>
+              <a:t>8/28/2019</a:t>
             </a:fld>
             <a:endParaRPr lang="en-US"/>
           </a:p>
@@ -3488,7 +3488,7 @@
           <a:p>
             <a:fld id="{1B52E0E1-344B-4E26-B5AD-CE86AB802485}" type="datetimeFigureOut">
               <a:rPr lang="en-US" smtClean="0"/>
-              <a:t>8/28/19</a:t>
+              <a:t>8/28/2019</a:t>
             </a:fld>
             <a:endParaRPr lang="en-US"/>
           </a:p>
@@ -3799,7 +3799,7 @@
           <a:p>
             <a:fld id="{1B52E0E1-344B-4E26-B5AD-CE86AB802485}" type="datetimeFigureOut">
               <a:rPr lang="en-US" smtClean="0"/>
-              <a:t>8/28/19</a:t>
+              <a:t>8/28/2019</a:t>
             </a:fld>
             <a:endParaRPr lang="en-US"/>
           </a:p>
@@ -4087,7 +4087,7 @@
           <a:p>
             <a:fld id="{1B52E0E1-344B-4E26-B5AD-CE86AB802485}" type="datetimeFigureOut">
               <a:rPr lang="en-US" smtClean="0"/>
-              <a:t>8/28/19</a:t>
+              <a:t>8/28/2019</a:t>
             </a:fld>
             <a:endParaRPr lang="en-US"/>
           </a:p>
@@ -4328,7 +4328,7 @@
           <a:p>
             <a:fld id="{1B52E0E1-344B-4E26-B5AD-CE86AB802485}" type="datetimeFigureOut">
               <a:rPr lang="en-US" smtClean="0"/>
-              <a:t>8/28/19</a:t>
+              <a:t>8/28/2019</a:t>
             </a:fld>
             <a:endParaRPr lang="en-US"/>
           </a:p>
@@ -5406,12 +5406,6 @@
             <a:pPr marL="0" indent="0">
               <a:buNone/>
             </a:pPr>
-            <a:endParaRPr lang="en-US" sz="2000" dirty="0"/>
-          </a:p>
-          <a:p>
-            <a:pPr marL="0" indent="0">
-              <a:buNone/>
-            </a:pPr>
             <a:r>
               <a:rPr lang="en-US" sz="2000" u="sng" dirty="0"/>
               <a:t>Team Report-out Guidelines</a:t>
@@ -5544,13 +5538,13 @@
               <a:rPr lang="en-US" sz="3600" dirty="0"/>
             </a:br>
             <a:r>
-              <a:rPr lang="en-US" sz="3600" b="1" dirty="0"/>
+              <a:rPr lang="en-US" sz="2800" b="1" dirty="0"/>
               <a:t>Take your name tags with you and bring them back to class through the end of Sprint 2</a:t>
             </a:r>
             <a:br>
-              <a:rPr lang="en-US" sz="3600" b="1" dirty="0"/>
+              <a:rPr lang="en-US" sz="2800" b="1" dirty="0"/>
             </a:br>
-            <a:endParaRPr lang="en-US" sz="3600" dirty="0"/>
+            <a:endParaRPr lang="en-US" sz="2800" dirty="0"/>
           </a:p>
         </p:txBody>
       </p:sp>
